--- a/user-documents/instructions/ui_instruction_pptx.pptx
+++ b/user-documents/instructions/ui_instruction_pptx.pptx
@@ -6,7 +6,8 @@
   </p:sldMasterIdLst>
   <p:sldIdLst>
     <p:sldId id="256" r:id="rId2"/>
-    <p:sldId id="257" r:id="rId3"/>
+    <p:sldId id="258" r:id="rId3"/>
+    <p:sldId id="257" r:id="rId4"/>
   </p:sldIdLst>
   <p:sldSz cx="12192000" cy="6858000"/>
   <p:notesSz cx="6858000" cy="9144000"/>
@@ -4617,6 +4618,196 @@
           </a:p>
         </p:txBody>
       </p:sp>
+      <p:sp>
+        <p:nvSpPr>
+          <p:cNvPr id="49" name="직사각형 48">
+            <a:extLst>
+              <a:ext uri="{FF2B5EF4-FFF2-40B4-BE49-F238E27FC236}">
+                <a16:creationId xmlns:a16="http://schemas.microsoft.com/office/drawing/2014/main" id="{C55AF07E-56E6-F335-FCEF-FCDD9DB9F2C0}"/>
+              </a:ext>
+            </a:extLst>
+          </p:cNvPr>
+          <p:cNvSpPr/>
+          <p:nvPr/>
+        </p:nvSpPr>
+        <p:spPr>
+          <a:xfrm>
+            <a:off x="10764109" y="1085104"/>
+            <a:ext cx="272599" cy="5073443"/>
+          </a:xfrm>
+          <a:prstGeom prst="rect">
+            <a:avLst/>
+          </a:prstGeom>
+          <a:solidFill>
+            <a:schemeClr val="bg1"/>
+          </a:solidFill>
+          <a:ln w="12700">
+            <a:solidFill>
+              <a:schemeClr val="tx1">
+                <a:lumMod val="85000"/>
+                <a:lumOff val="15000"/>
+              </a:schemeClr>
+            </a:solidFill>
+            <a:prstDash val="dash"/>
+          </a:ln>
+        </p:spPr>
+        <p:style>
+          <a:lnRef idx="2">
+            <a:schemeClr val="accent1">
+              <a:shade val="15000"/>
+            </a:schemeClr>
+          </a:lnRef>
+          <a:fillRef idx="1">
+            <a:schemeClr val="accent1"/>
+          </a:fillRef>
+          <a:effectRef idx="0">
+            <a:schemeClr val="accent1"/>
+          </a:effectRef>
+          <a:fontRef idx="minor">
+            <a:schemeClr val="lt1"/>
+          </a:fontRef>
+        </p:style>
+        <p:txBody>
+          <a:bodyPr vert="vert270" lIns="180000" tIns="108000" rIns="180000" rtlCol="0" anchor="ctr"/>
+          <a:lstStyle/>
+          <a:p>
+            <a:pPr algn="ctr"/>
+            <a:r>
+              <a:rPr lang="en-US" altLang="ko-KR" sz="1400" spc="-70">
+                <a:solidFill>
+                  <a:schemeClr val="tx1">
+                    <a:lumMod val="85000"/>
+                    <a:lumOff val="15000"/>
+                  </a:schemeClr>
+                </a:solidFill>
+                <a:latin typeface="Noto Sans KR" panose="020B0200000000000000" pitchFamily="50" charset="-127"/>
+                <a:ea typeface="Noto Sans KR" panose="020B0200000000000000" pitchFamily="50" charset="-127"/>
+              </a:rPr>
+              <a:t>Scroll Bar</a:t>
+            </a:r>
+            <a:endParaRPr lang="ko-KR" altLang="en-US" sz="1400" spc="-70">
+              <a:solidFill>
+                <a:schemeClr val="tx1">
+                  <a:lumMod val="85000"/>
+                  <a:lumOff val="15000"/>
+                </a:schemeClr>
+              </a:solidFill>
+              <a:latin typeface="Noto Sans KR" panose="020B0200000000000000" pitchFamily="50" charset="-127"/>
+              <a:ea typeface="Noto Sans KR" panose="020B0200000000000000" pitchFamily="50" charset="-127"/>
+            </a:endParaRPr>
+          </a:p>
+        </p:txBody>
+      </p:sp>
+      <p:sp>
+        <p:nvSpPr>
+          <p:cNvPr id="50" name="직사각형 49">
+            <a:extLst>
+              <a:ext uri="{FF2B5EF4-FFF2-40B4-BE49-F238E27FC236}">
+                <a16:creationId xmlns:a16="http://schemas.microsoft.com/office/drawing/2014/main" id="{47DC6393-4C43-8C5B-D03D-034B0C007B07}"/>
+              </a:ext>
+            </a:extLst>
+          </p:cNvPr>
+          <p:cNvSpPr/>
+          <p:nvPr/>
+        </p:nvSpPr>
+        <p:spPr>
+          <a:xfrm>
+            <a:off x="6819900" y="6283984"/>
+            <a:ext cx="3707977" cy="284480"/>
+          </a:xfrm>
+          <a:prstGeom prst="rect">
+            <a:avLst/>
+          </a:prstGeom>
+          <a:noFill/>
+          <a:ln>
+            <a:noFill/>
+          </a:ln>
+        </p:spPr>
+        <p:style>
+          <a:lnRef idx="2">
+            <a:schemeClr val="accent1">
+              <a:shade val="15000"/>
+            </a:schemeClr>
+          </a:lnRef>
+          <a:fillRef idx="1">
+            <a:schemeClr val="accent1"/>
+          </a:fillRef>
+          <a:effectRef idx="0">
+            <a:schemeClr val="accent1"/>
+          </a:effectRef>
+          <a:fontRef idx="minor">
+            <a:schemeClr val="lt1"/>
+          </a:fontRef>
+        </p:style>
+        <p:txBody>
+          <a:bodyPr lIns="0" tIns="0" rIns="0" bIns="0" rtlCol="0" anchor="ctr"/>
+          <a:lstStyle/>
+          <a:p>
+            <a:pPr algn="ctr"/>
+            <a:r>
+              <a:rPr lang="ko-KR" altLang="en-US" spc="-150">
+                <a:solidFill>
+                  <a:schemeClr val="tx1">
+                    <a:lumMod val="85000"/>
+                    <a:lumOff val="15000"/>
+                  </a:schemeClr>
+                </a:solidFill>
+                <a:latin typeface="Noto Sans KR" panose="020B0200000000000000" pitchFamily="50" charset="-127"/>
+                <a:ea typeface="Noto Sans KR" panose="020B0200000000000000" pitchFamily="50" charset="-127"/>
+              </a:rPr>
+              <a:t>작업의 컨텐츠 크기에 따라 스크롤바 표시</a:t>
+            </a:r>
+          </a:p>
+        </p:txBody>
+      </p:sp>
+      <p:cxnSp>
+        <p:nvCxnSpPr>
+          <p:cNvPr id="51" name="연결선: 구부러짐 50">
+            <a:extLst>
+              <a:ext uri="{FF2B5EF4-FFF2-40B4-BE49-F238E27FC236}">
+                <a16:creationId xmlns:a16="http://schemas.microsoft.com/office/drawing/2014/main" id="{A817BA82-7158-1151-C767-5A024995F785}"/>
+              </a:ext>
+            </a:extLst>
+          </p:cNvPr>
+          <p:cNvCxnSpPr>
+            <a:cxnSpLocks/>
+            <a:endCxn id="49" idx="2"/>
+          </p:cNvCxnSpPr>
+          <p:nvPr/>
+        </p:nvCxnSpPr>
+        <p:spPr>
+          <a:xfrm flipV="1">
+            <a:off x="10455207" y="6158547"/>
+            <a:ext cx="445202" cy="257493"/>
+          </a:xfrm>
+          <a:prstGeom prst="curvedConnector2">
+            <a:avLst/>
+          </a:prstGeom>
+          <a:ln w="12700">
+            <a:solidFill>
+              <a:schemeClr val="tx1">
+                <a:lumMod val="85000"/>
+                <a:lumOff val="15000"/>
+              </a:schemeClr>
+            </a:solidFill>
+            <a:tailEnd type="stealth" w="lg" len="lg"/>
+          </a:ln>
+        </p:spPr>
+        <p:style>
+          <a:lnRef idx="2">
+            <a:schemeClr val="accent1"/>
+          </a:lnRef>
+          <a:fillRef idx="0">
+            <a:schemeClr val="accent1"/>
+          </a:fillRef>
+          <a:effectRef idx="1">
+            <a:schemeClr val="accent1"/>
+          </a:effectRef>
+          <a:fontRef idx="minor">
+            <a:schemeClr val="tx1"/>
+          </a:fontRef>
+        </p:style>
+      </p:cxnSp>
     </p:spTree>
     <p:extLst>
       <p:ext uri="{BB962C8B-B14F-4D97-AF65-F5344CB8AC3E}">
@@ -4631,6 +4822,2894 @@
 </file>
 
 <file path=ppt/slides/slide2.xml><?xml version="1.0" encoding="utf-8"?>
+<p:sld xmlns:a="http://schemas.openxmlformats.org/drawingml/2006/main" xmlns:r="http://schemas.openxmlformats.org/officeDocument/2006/relationships" xmlns:p="http://schemas.openxmlformats.org/presentationml/2006/main">
+  <p:cSld>
+    <p:spTree>
+      <p:nvGrpSpPr>
+        <p:cNvPr id="1" name="">
+          <a:extLst>
+            <a:ext uri="{FF2B5EF4-FFF2-40B4-BE49-F238E27FC236}">
+              <a16:creationId xmlns:a16="http://schemas.microsoft.com/office/drawing/2014/main" id="{74FD3045-BF73-FAED-0A0D-B5EC3F514FDC}"/>
+            </a:ext>
+          </a:extLst>
+        </p:cNvPr>
+        <p:cNvGrpSpPr/>
+        <p:nvPr/>
+      </p:nvGrpSpPr>
+      <p:grpSpPr>
+        <a:xfrm>
+          <a:off x="0" y="0"/>
+          <a:ext cx="0" cy="0"/>
+          <a:chOff x="0" y="0"/>
+          <a:chExt cx="0" cy="0"/>
+        </a:xfrm>
+      </p:grpSpPr>
+      <p:sp>
+        <p:nvSpPr>
+          <p:cNvPr id="28" name="직사각형 27">
+            <a:extLst>
+              <a:ext uri="{FF2B5EF4-FFF2-40B4-BE49-F238E27FC236}">
+                <a16:creationId xmlns:a16="http://schemas.microsoft.com/office/drawing/2014/main" id="{B2E668B4-BA41-2B19-4202-DE35776D6A32}"/>
+              </a:ext>
+            </a:extLst>
+          </p:cNvPr>
+          <p:cNvSpPr/>
+          <p:nvPr/>
+        </p:nvSpPr>
+        <p:spPr>
+          <a:xfrm>
+            <a:off x="0" y="0"/>
+            <a:ext cx="12192000" cy="6858000"/>
+          </a:xfrm>
+          <a:prstGeom prst="rect">
+            <a:avLst/>
+          </a:prstGeom>
+          <a:solidFill>
+            <a:schemeClr val="bg1"/>
+          </a:solidFill>
+          <a:ln w="12700">
+            <a:solidFill>
+              <a:schemeClr val="tx1">
+                <a:lumMod val="85000"/>
+                <a:lumOff val="15000"/>
+              </a:schemeClr>
+            </a:solidFill>
+          </a:ln>
+        </p:spPr>
+        <p:style>
+          <a:lnRef idx="2">
+            <a:schemeClr val="accent1">
+              <a:shade val="15000"/>
+            </a:schemeClr>
+          </a:lnRef>
+          <a:fillRef idx="1">
+            <a:schemeClr val="accent1"/>
+          </a:fillRef>
+          <a:effectRef idx="0">
+            <a:schemeClr val="accent1"/>
+          </a:effectRef>
+          <a:fontRef idx="minor">
+            <a:schemeClr val="lt1"/>
+          </a:fontRef>
+        </p:style>
+        <p:txBody>
+          <a:bodyPr rtlCol="0" anchor="ctr"/>
+          <a:lstStyle/>
+          <a:p>
+            <a:pPr algn="ctr"/>
+            <a:endParaRPr lang="ko-KR" altLang="en-US"/>
+          </a:p>
+        </p:txBody>
+      </p:sp>
+      <p:sp>
+        <p:nvSpPr>
+          <p:cNvPr id="4" name="직사각형 3">
+            <a:extLst>
+              <a:ext uri="{FF2B5EF4-FFF2-40B4-BE49-F238E27FC236}">
+                <a16:creationId xmlns:a16="http://schemas.microsoft.com/office/drawing/2014/main" id="{3C7DA098-7E28-9012-C1E5-4BFD0136C302}"/>
+              </a:ext>
+            </a:extLst>
+          </p:cNvPr>
+          <p:cNvSpPr/>
+          <p:nvPr/>
+        </p:nvSpPr>
+        <p:spPr>
+          <a:xfrm>
+            <a:off x="1155290" y="699453"/>
+            <a:ext cx="9881419" cy="5459094"/>
+          </a:xfrm>
+          <a:prstGeom prst="rect">
+            <a:avLst/>
+          </a:prstGeom>
+          <a:solidFill>
+            <a:schemeClr val="bg1"/>
+          </a:solidFill>
+          <a:ln w="12700">
+            <a:solidFill>
+              <a:schemeClr val="tx1">
+                <a:lumMod val="85000"/>
+                <a:lumOff val="15000"/>
+              </a:schemeClr>
+            </a:solidFill>
+          </a:ln>
+        </p:spPr>
+        <p:style>
+          <a:lnRef idx="2">
+            <a:schemeClr val="accent1">
+              <a:shade val="15000"/>
+            </a:schemeClr>
+          </a:lnRef>
+          <a:fillRef idx="1">
+            <a:schemeClr val="accent1"/>
+          </a:fillRef>
+          <a:effectRef idx="0">
+            <a:schemeClr val="accent1"/>
+          </a:effectRef>
+          <a:fontRef idx="minor">
+            <a:schemeClr val="lt1"/>
+          </a:fontRef>
+        </p:style>
+        <p:txBody>
+          <a:bodyPr lIns="1440000" tIns="576000" rIns="1440000" rtlCol="0" anchor="t"/>
+          <a:lstStyle/>
+          <a:p>
+            <a:r>
+              <a:rPr lang="en-US" altLang="ko-KR" sz="1400" spc="-70">
+                <a:solidFill>
+                  <a:schemeClr val="tx1">
+                    <a:lumMod val="85000"/>
+                    <a:lumOff val="15000"/>
+                  </a:schemeClr>
+                </a:solidFill>
+                <a:latin typeface="Noto Sans KR Black" panose="020B0200000000000000" pitchFamily="50" charset="-127"/>
+                <a:ea typeface="Noto Sans KR Black" panose="020B0200000000000000" pitchFamily="50" charset="-127"/>
+              </a:rPr>
+              <a:t>Page Title</a:t>
+            </a:r>
+            <a:endParaRPr lang="ko-KR" altLang="en-US" sz="1400" spc="-70">
+              <a:solidFill>
+                <a:schemeClr val="tx1">
+                  <a:lumMod val="85000"/>
+                  <a:lumOff val="15000"/>
+                </a:schemeClr>
+              </a:solidFill>
+              <a:latin typeface="Noto Sans KR Black" panose="020B0200000000000000" pitchFamily="50" charset="-127"/>
+              <a:ea typeface="Noto Sans KR Black" panose="020B0200000000000000" pitchFamily="50" charset="-127"/>
+            </a:endParaRPr>
+          </a:p>
+        </p:txBody>
+      </p:sp>
+      <p:sp>
+        <p:nvSpPr>
+          <p:cNvPr id="5" name="직사각형 4">
+            <a:extLst>
+              <a:ext uri="{FF2B5EF4-FFF2-40B4-BE49-F238E27FC236}">
+                <a16:creationId xmlns:a16="http://schemas.microsoft.com/office/drawing/2014/main" id="{2316C1EC-360C-7CC5-E7B5-2A947A438F9C}"/>
+              </a:ext>
+            </a:extLst>
+          </p:cNvPr>
+          <p:cNvSpPr/>
+          <p:nvPr/>
+        </p:nvSpPr>
+        <p:spPr>
+          <a:xfrm>
+            <a:off x="1155290" y="699453"/>
+            <a:ext cx="9881419" cy="389934"/>
+          </a:xfrm>
+          <a:prstGeom prst="rect">
+            <a:avLst/>
+          </a:prstGeom>
+          <a:solidFill>
+            <a:srgbClr val="0070C0"/>
+          </a:solidFill>
+          <a:ln w="12700">
+            <a:solidFill>
+              <a:schemeClr val="tx1">
+                <a:lumMod val="85000"/>
+                <a:lumOff val="15000"/>
+              </a:schemeClr>
+            </a:solidFill>
+          </a:ln>
+        </p:spPr>
+        <p:style>
+          <a:lnRef idx="2">
+            <a:schemeClr val="accent1">
+              <a:shade val="15000"/>
+            </a:schemeClr>
+          </a:lnRef>
+          <a:fillRef idx="1">
+            <a:schemeClr val="accent1"/>
+          </a:fillRef>
+          <a:effectRef idx="0">
+            <a:schemeClr val="accent1"/>
+          </a:effectRef>
+          <a:fontRef idx="minor">
+            <a:schemeClr val="lt1"/>
+          </a:fontRef>
+        </p:style>
+        <p:txBody>
+          <a:bodyPr rtlCol="0" anchor="ctr"/>
+          <a:lstStyle/>
+          <a:p>
+            <a:pPr algn="ctr"/>
+            <a:endParaRPr lang="ko-KR" altLang="en-US"/>
+          </a:p>
+        </p:txBody>
+      </p:sp>
+      <p:sp>
+        <p:nvSpPr>
+          <p:cNvPr id="6" name="직사각형 5">
+            <a:extLst>
+              <a:ext uri="{FF2B5EF4-FFF2-40B4-BE49-F238E27FC236}">
+                <a16:creationId xmlns:a16="http://schemas.microsoft.com/office/drawing/2014/main" id="{C89B2409-E69C-10FB-1DBC-61068B1A05DF}"/>
+              </a:ext>
+            </a:extLst>
+          </p:cNvPr>
+          <p:cNvSpPr/>
+          <p:nvPr/>
+        </p:nvSpPr>
+        <p:spPr>
+          <a:xfrm>
+            <a:off x="1373348" y="746891"/>
+            <a:ext cx="290775" cy="290775"/>
+          </a:xfrm>
+          <a:prstGeom prst="rect">
+            <a:avLst/>
+          </a:prstGeom>
+          <a:solidFill>
+            <a:schemeClr val="bg1"/>
+          </a:solidFill>
+          <a:ln w="12700">
+            <a:solidFill>
+              <a:schemeClr val="tx1">
+                <a:lumMod val="85000"/>
+                <a:lumOff val="15000"/>
+              </a:schemeClr>
+            </a:solidFill>
+          </a:ln>
+        </p:spPr>
+        <p:style>
+          <a:lnRef idx="2">
+            <a:schemeClr val="accent1">
+              <a:shade val="15000"/>
+            </a:schemeClr>
+          </a:lnRef>
+          <a:fillRef idx="1">
+            <a:schemeClr val="accent1"/>
+          </a:fillRef>
+          <a:effectRef idx="0">
+            <a:schemeClr val="accent1"/>
+          </a:effectRef>
+          <a:fontRef idx="minor">
+            <a:schemeClr val="lt1"/>
+          </a:fontRef>
+        </p:style>
+        <p:txBody>
+          <a:bodyPr lIns="0" tIns="0" rIns="0" bIns="0" rtlCol="0" anchor="ctr"/>
+          <a:lstStyle/>
+          <a:p>
+            <a:pPr algn="ctr"/>
+            <a:r>
+              <a:rPr lang="en-US" altLang="ko-KR" sz="1200">
+                <a:solidFill>
+                  <a:schemeClr val="tx1">
+                    <a:lumMod val="85000"/>
+                    <a:lumOff val="15000"/>
+                  </a:schemeClr>
+                </a:solidFill>
+                <a:latin typeface="Noto Sans KR" panose="020B0200000000000000" pitchFamily="50" charset="-127"/>
+                <a:ea typeface="Noto Sans KR" panose="020B0200000000000000" pitchFamily="50" charset="-127"/>
+              </a:rPr>
+              <a:t>L</a:t>
+            </a:r>
+            <a:endParaRPr lang="ko-KR" altLang="en-US" sz="1200">
+              <a:solidFill>
+                <a:schemeClr val="tx1">
+                  <a:lumMod val="85000"/>
+                  <a:lumOff val="15000"/>
+                </a:schemeClr>
+              </a:solidFill>
+              <a:latin typeface="Noto Sans KR" panose="020B0200000000000000" pitchFamily="50" charset="-127"/>
+              <a:ea typeface="Noto Sans KR" panose="020B0200000000000000" pitchFamily="50" charset="-127"/>
+            </a:endParaRPr>
+          </a:p>
+        </p:txBody>
+      </p:sp>
+      <p:sp>
+        <p:nvSpPr>
+          <p:cNvPr id="8" name="직사각형 7">
+            <a:extLst>
+              <a:ext uri="{FF2B5EF4-FFF2-40B4-BE49-F238E27FC236}">
+                <a16:creationId xmlns:a16="http://schemas.microsoft.com/office/drawing/2014/main" id="{5F019C5E-B99A-C30C-71AA-52D4F6F2F3CD}"/>
+              </a:ext>
+            </a:extLst>
+          </p:cNvPr>
+          <p:cNvSpPr/>
+          <p:nvPr/>
+        </p:nvSpPr>
+        <p:spPr>
+          <a:xfrm>
+            <a:off x="620432" y="299720"/>
+            <a:ext cx="646235" cy="284480"/>
+          </a:xfrm>
+          <a:prstGeom prst="rect">
+            <a:avLst/>
+          </a:prstGeom>
+          <a:noFill/>
+          <a:ln>
+            <a:noFill/>
+          </a:ln>
+        </p:spPr>
+        <p:style>
+          <a:lnRef idx="2">
+            <a:schemeClr val="accent1">
+              <a:shade val="15000"/>
+            </a:schemeClr>
+          </a:lnRef>
+          <a:fillRef idx="1">
+            <a:schemeClr val="accent1"/>
+          </a:fillRef>
+          <a:effectRef idx="0">
+            <a:schemeClr val="accent1"/>
+          </a:effectRef>
+          <a:fontRef idx="minor">
+            <a:schemeClr val="lt1"/>
+          </a:fontRef>
+        </p:style>
+        <p:txBody>
+          <a:bodyPr lIns="0" tIns="0" rIns="0" bIns="0" rtlCol="0" anchor="ctr"/>
+          <a:lstStyle/>
+          <a:p>
+            <a:pPr algn="ctr"/>
+            <a:r>
+              <a:rPr lang="ko-KR" altLang="en-US" spc="-150">
+                <a:solidFill>
+                  <a:schemeClr val="tx1">
+                    <a:lumMod val="85000"/>
+                    <a:lumOff val="15000"/>
+                  </a:schemeClr>
+                </a:solidFill>
+                <a:latin typeface="Noto Sans KR" panose="020B0200000000000000" pitchFamily="50" charset="-127"/>
+                <a:ea typeface="Noto Sans KR" panose="020B0200000000000000" pitchFamily="50" charset="-127"/>
+              </a:rPr>
+              <a:t>로고</a:t>
+            </a:r>
+          </a:p>
+        </p:txBody>
+      </p:sp>
+      <p:sp>
+        <p:nvSpPr>
+          <p:cNvPr id="9" name="직사각형 8">
+            <a:extLst>
+              <a:ext uri="{FF2B5EF4-FFF2-40B4-BE49-F238E27FC236}">
+                <a16:creationId xmlns:a16="http://schemas.microsoft.com/office/drawing/2014/main" id="{AFC5ABEC-85E1-C4FB-839E-D2CE7342B9EB}"/>
+              </a:ext>
+            </a:extLst>
+          </p:cNvPr>
+          <p:cNvSpPr/>
+          <p:nvPr/>
+        </p:nvSpPr>
+        <p:spPr>
+          <a:xfrm>
+            <a:off x="1759653" y="746891"/>
+            <a:ext cx="2995227" cy="290775"/>
+          </a:xfrm>
+          <a:prstGeom prst="rect">
+            <a:avLst/>
+          </a:prstGeom>
+          <a:solidFill>
+            <a:schemeClr val="bg1"/>
+          </a:solidFill>
+          <a:ln w="12700">
+            <a:solidFill>
+              <a:schemeClr val="tx1">
+                <a:lumMod val="85000"/>
+                <a:lumOff val="15000"/>
+              </a:schemeClr>
+            </a:solidFill>
+          </a:ln>
+        </p:spPr>
+        <p:style>
+          <a:lnRef idx="2">
+            <a:schemeClr val="accent1">
+              <a:shade val="15000"/>
+            </a:schemeClr>
+          </a:lnRef>
+          <a:fillRef idx="1">
+            <a:schemeClr val="accent1"/>
+          </a:fillRef>
+          <a:effectRef idx="0">
+            <a:schemeClr val="accent1"/>
+          </a:effectRef>
+          <a:fontRef idx="minor">
+            <a:schemeClr val="lt1"/>
+          </a:fontRef>
+        </p:style>
+        <p:txBody>
+          <a:bodyPr rtlCol="0" anchor="ctr"/>
+          <a:lstStyle/>
+          <a:p>
+            <a:pPr algn="ctr"/>
+            <a:endParaRPr lang="ko-KR" altLang="en-US"/>
+          </a:p>
+        </p:txBody>
+      </p:sp>
+      <p:sp>
+        <p:nvSpPr>
+          <p:cNvPr id="11" name="직사각형 10">
+            <a:extLst>
+              <a:ext uri="{FF2B5EF4-FFF2-40B4-BE49-F238E27FC236}">
+                <a16:creationId xmlns:a16="http://schemas.microsoft.com/office/drawing/2014/main" id="{6F07BADC-856B-4282-4AE8-E90197572C60}"/>
+              </a:ext>
+            </a:extLst>
+          </p:cNvPr>
+          <p:cNvSpPr/>
+          <p:nvPr/>
+        </p:nvSpPr>
+        <p:spPr>
+          <a:xfrm>
+            <a:off x="1828800" y="794884"/>
+            <a:ext cx="1729740" cy="216000"/>
+          </a:xfrm>
+          <a:prstGeom prst="rect">
+            <a:avLst/>
+          </a:prstGeom>
+          <a:solidFill>
+            <a:schemeClr val="bg1"/>
+          </a:solidFill>
+          <a:ln>
+            <a:noFill/>
+          </a:ln>
+        </p:spPr>
+        <p:style>
+          <a:lnRef idx="2">
+            <a:schemeClr val="accent1">
+              <a:shade val="15000"/>
+            </a:schemeClr>
+          </a:lnRef>
+          <a:fillRef idx="1">
+            <a:schemeClr val="accent1"/>
+          </a:fillRef>
+          <a:effectRef idx="0">
+            <a:schemeClr val="accent1"/>
+          </a:effectRef>
+          <a:fontRef idx="minor">
+            <a:schemeClr val="lt1"/>
+          </a:fontRef>
+        </p:style>
+        <p:txBody>
+          <a:bodyPr lIns="0" tIns="0" rIns="0" bIns="0" rtlCol="0" anchor="ctr"/>
+          <a:lstStyle/>
+          <a:p>
+            <a:r>
+              <a:rPr lang="en-US" altLang="ko-KR" sz="1200" spc="-70">
+                <a:solidFill>
+                  <a:schemeClr val="tx1">
+                    <a:lumMod val="85000"/>
+                    <a:lumOff val="15000"/>
+                  </a:schemeClr>
+                </a:solidFill>
+                <a:latin typeface="Noto Sans KR" panose="020B0200000000000000" pitchFamily="50" charset="-127"/>
+                <a:ea typeface="Noto Sans KR" panose="020B0200000000000000" pitchFamily="50" charset="-127"/>
+              </a:rPr>
+              <a:t>(</a:t>
+            </a:r>
+            <a:r>
+              <a:rPr lang="ko-KR" altLang="en-US" sz="1200" spc="-70">
+                <a:solidFill>
+                  <a:schemeClr val="tx1">
+                    <a:lumMod val="85000"/>
+                    <a:lumOff val="15000"/>
+                  </a:schemeClr>
+                </a:solidFill>
+                <a:latin typeface="Noto Sans KR" panose="020B0200000000000000" pitchFamily="50" charset="-127"/>
+                <a:ea typeface="Noto Sans KR" panose="020B0200000000000000" pitchFamily="50" charset="-127"/>
+              </a:rPr>
+              <a:t>선택된</a:t>
+            </a:r>
+            <a:r>
+              <a:rPr lang="en-US" altLang="ko-KR" sz="1200" spc="-70">
+                <a:solidFill>
+                  <a:schemeClr val="tx1">
+                    <a:lumMod val="85000"/>
+                    <a:lumOff val="15000"/>
+                  </a:schemeClr>
+                </a:solidFill>
+                <a:latin typeface="Noto Sans KR" panose="020B0200000000000000" pitchFamily="50" charset="-127"/>
+                <a:ea typeface="Noto Sans KR" panose="020B0200000000000000" pitchFamily="50" charset="-127"/>
+              </a:rPr>
+              <a:t>) </a:t>
+            </a:r>
+            <a:r>
+              <a:rPr lang="ko-KR" altLang="en-US" sz="1200" spc="-70">
+                <a:solidFill>
+                  <a:schemeClr val="tx1">
+                    <a:lumMod val="85000"/>
+                    <a:lumOff val="15000"/>
+                  </a:schemeClr>
+                </a:solidFill>
+                <a:latin typeface="Noto Sans KR" panose="020B0200000000000000" pitchFamily="50" charset="-127"/>
+                <a:ea typeface="Noto Sans KR" panose="020B0200000000000000" pitchFamily="50" charset="-127"/>
+              </a:rPr>
+              <a:t>유틸리티 이름</a:t>
+            </a:r>
+          </a:p>
+        </p:txBody>
+      </p:sp>
+      <p:sp>
+        <p:nvSpPr>
+          <p:cNvPr id="12" name="직사각형 11">
+            <a:extLst>
+              <a:ext uri="{FF2B5EF4-FFF2-40B4-BE49-F238E27FC236}">
+                <a16:creationId xmlns:a16="http://schemas.microsoft.com/office/drawing/2014/main" id="{6AB03EB4-B5F4-124B-4688-05CC1912C91C}"/>
+              </a:ext>
+            </a:extLst>
+          </p:cNvPr>
+          <p:cNvSpPr/>
+          <p:nvPr/>
+        </p:nvSpPr>
+        <p:spPr>
+          <a:xfrm>
+            <a:off x="3903502" y="299720"/>
+            <a:ext cx="2283938" cy="284480"/>
+          </a:xfrm>
+          <a:prstGeom prst="rect">
+            <a:avLst/>
+          </a:prstGeom>
+          <a:noFill/>
+          <a:ln>
+            <a:noFill/>
+          </a:ln>
+        </p:spPr>
+        <p:style>
+          <a:lnRef idx="2">
+            <a:schemeClr val="accent1">
+              <a:shade val="15000"/>
+            </a:schemeClr>
+          </a:lnRef>
+          <a:fillRef idx="1">
+            <a:schemeClr val="accent1"/>
+          </a:fillRef>
+          <a:effectRef idx="0">
+            <a:schemeClr val="accent1"/>
+          </a:effectRef>
+          <a:fontRef idx="minor">
+            <a:schemeClr val="lt1"/>
+          </a:fontRef>
+        </p:style>
+        <p:txBody>
+          <a:bodyPr lIns="0" tIns="0" rIns="0" bIns="0" rtlCol="0" anchor="ctr"/>
+          <a:lstStyle/>
+          <a:p>
+            <a:pPr algn="ctr"/>
+            <a:r>
+              <a:rPr lang="ko-KR" altLang="en-US" spc="-150">
+                <a:solidFill>
+                  <a:schemeClr val="tx1">
+                    <a:lumMod val="85000"/>
+                    <a:lumOff val="15000"/>
+                  </a:schemeClr>
+                </a:solidFill>
+                <a:latin typeface="Noto Sans KR" panose="020B0200000000000000" pitchFamily="50" charset="-127"/>
+                <a:ea typeface="Noto Sans KR" panose="020B0200000000000000" pitchFamily="50" charset="-127"/>
+              </a:rPr>
+              <a:t>유틸리티 선택 드롭다운</a:t>
+            </a:r>
+          </a:p>
+        </p:txBody>
+      </p:sp>
+      <p:cxnSp>
+        <p:nvCxnSpPr>
+          <p:cNvPr id="14" name="연결선: 구부러짐 13">
+            <a:extLst>
+              <a:ext uri="{FF2B5EF4-FFF2-40B4-BE49-F238E27FC236}">
+                <a16:creationId xmlns:a16="http://schemas.microsoft.com/office/drawing/2014/main" id="{7469E33F-D3BB-0594-C089-7C8953EBC351}"/>
+              </a:ext>
+            </a:extLst>
+          </p:cNvPr>
+          <p:cNvCxnSpPr>
+            <a:cxnSpLocks/>
+            <a:stCxn id="8" idx="3"/>
+            <a:endCxn id="6" idx="0"/>
+          </p:cNvCxnSpPr>
+          <p:nvPr/>
+        </p:nvCxnSpPr>
+        <p:spPr>
+          <a:xfrm>
+            <a:off x="1266667" y="441960"/>
+            <a:ext cx="252069" cy="304931"/>
+          </a:xfrm>
+          <a:prstGeom prst="curvedConnector2">
+            <a:avLst/>
+          </a:prstGeom>
+          <a:ln w="12700">
+            <a:solidFill>
+              <a:schemeClr val="tx1">
+                <a:lumMod val="85000"/>
+                <a:lumOff val="15000"/>
+              </a:schemeClr>
+            </a:solidFill>
+            <a:tailEnd type="stealth" w="lg" len="lg"/>
+          </a:ln>
+        </p:spPr>
+        <p:style>
+          <a:lnRef idx="2">
+            <a:schemeClr val="accent1"/>
+          </a:lnRef>
+          <a:fillRef idx="0">
+            <a:schemeClr val="accent1"/>
+          </a:fillRef>
+          <a:effectRef idx="1">
+            <a:schemeClr val="accent1"/>
+          </a:effectRef>
+          <a:fontRef idx="minor">
+            <a:schemeClr val="tx1"/>
+          </a:fontRef>
+        </p:style>
+      </p:cxnSp>
+      <p:cxnSp>
+        <p:nvCxnSpPr>
+          <p:cNvPr id="16" name="연결선: 구부러짐 15">
+            <a:extLst>
+              <a:ext uri="{FF2B5EF4-FFF2-40B4-BE49-F238E27FC236}">
+                <a16:creationId xmlns:a16="http://schemas.microsoft.com/office/drawing/2014/main" id="{8408CE13-87C8-DB10-97E5-BB9A661E9CF5}"/>
+              </a:ext>
+            </a:extLst>
+          </p:cNvPr>
+          <p:cNvCxnSpPr>
+            <a:cxnSpLocks/>
+            <a:stCxn id="12" idx="1"/>
+            <a:endCxn id="9" idx="0"/>
+          </p:cNvCxnSpPr>
+          <p:nvPr/>
+        </p:nvCxnSpPr>
+        <p:spPr>
+          <a:xfrm rot="10800000" flipV="1">
+            <a:off x="3257268" y="441959"/>
+            <a:ext cx="646235" cy="304931"/>
+          </a:xfrm>
+          <a:prstGeom prst="curvedConnector2">
+            <a:avLst/>
+          </a:prstGeom>
+          <a:ln w="12700">
+            <a:solidFill>
+              <a:schemeClr val="tx1">
+                <a:lumMod val="85000"/>
+                <a:lumOff val="15000"/>
+              </a:schemeClr>
+            </a:solidFill>
+            <a:tailEnd type="stealth" w="lg" len="lg"/>
+          </a:ln>
+        </p:spPr>
+        <p:style>
+          <a:lnRef idx="2">
+            <a:schemeClr val="accent1"/>
+          </a:lnRef>
+          <a:fillRef idx="0">
+            <a:schemeClr val="accent1"/>
+          </a:fillRef>
+          <a:effectRef idx="1">
+            <a:schemeClr val="accent1"/>
+          </a:effectRef>
+          <a:fontRef idx="minor">
+            <a:schemeClr val="tx1"/>
+          </a:fontRef>
+        </p:style>
+      </p:cxnSp>
+      <p:sp>
+        <p:nvSpPr>
+          <p:cNvPr id="20" name="직사각형 19">
+            <a:extLst>
+              <a:ext uri="{FF2B5EF4-FFF2-40B4-BE49-F238E27FC236}">
+                <a16:creationId xmlns:a16="http://schemas.microsoft.com/office/drawing/2014/main" id="{F2AC35F7-0D64-24C5-19DD-83AD914CF493}"/>
+              </a:ext>
+            </a:extLst>
+          </p:cNvPr>
+          <p:cNvSpPr/>
+          <p:nvPr/>
+        </p:nvSpPr>
+        <p:spPr>
+          <a:xfrm>
+            <a:off x="10527877" y="746891"/>
+            <a:ext cx="290775" cy="290775"/>
+          </a:xfrm>
+          <a:prstGeom prst="rect">
+            <a:avLst/>
+          </a:prstGeom>
+          <a:solidFill>
+            <a:schemeClr val="bg1"/>
+          </a:solidFill>
+          <a:ln w="12700">
+            <a:solidFill>
+              <a:schemeClr val="tx1">
+                <a:lumMod val="85000"/>
+                <a:lumOff val="15000"/>
+              </a:schemeClr>
+            </a:solidFill>
+          </a:ln>
+        </p:spPr>
+        <p:style>
+          <a:lnRef idx="2">
+            <a:schemeClr val="accent1">
+              <a:shade val="15000"/>
+            </a:schemeClr>
+          </a:lnRef>
+          <a:fillRef idx="1">
+            <a:schemeClr val="accent1"/>
+          </a:fillRef>
+          <a:effectRef idx="0">
+            <a:schemeClr val="accent1"/>
+          </a:effectRef>
+          <a:fontRef idx="minor">
+            <a:schemeClr val="lt1"/>
+          </a:fontRef>
+        </p:style>
+        <p:txBody>
+          <a:bodyPr lIns="0" tIns="0" rIns="0" bIns="0" rtlCol="0" anchor="ctr"/>
+          <a:lstStyle/>
+          <a:p>
+            <a:pPr algn="ctr"/>
+            <a:r>
+              <a:rPr lang="en-US" altLang="ko-KR" sz="1200">
+                <a:solidFill>
+                  <a:schemeClr val="tx1">
+                    <a:lumMod val="85000"/>
+                    <a:lumOff val="15000"/>
+                  </a:schemeClr>
+                </a:solidFill>
+                <a:latin typeface="Noto Sans KR" panose="020B0200000000000000" pitchFamily="50" charset="-127"/>
+                <a:ea typeface="Noto Sans KR" panose="020B0200000000000000" pitchFamily="50" charset="-127"/>
+              </a:rPr>
+              <a:t>T</a:t>
+            </a:r>
+            <a:r>
+              <a:rPr lang="en-US" altLang="ko-KR" sz="1200" baseline="-25000">
+                <a:solidFill>
+                  <a:schemeClr val="tx1">
+                    <a:lumMod val="85000"/>
+                    <a:lumOff val="15000"/>
+                  </a:schemeClr>
+                </a:solidFill>
+                <a:latin typeface="Noto Sans KR" panose="020B0200000000000000" pitchFamily="50" charset="-127"/>
+                <a:ea typeface="Noto Sans KR" panose="020B0200000000000000" pitchFamily="50" charset="-127"/>
+              </a:rPr>
+              <a:t>3</a:t>
+            </a:r>
+            <a:endParaRPr lang="ko-KR" altLang="en-US" sz="1200" baseline="-25000">
+              <a:solidFill>
+                <a:schemeClr val="tx1">
+                  <a:lumMod val="85000"/>
+                  <a:lumOff val="15000"/>
+                </a:schemeClr>
+              </a:solidFill>
+              <a:latin typeface="Noto Sans KR" panose="020B0200000000000000" pitchFamily="50" charset="-127"/>
+              <a:ea typeface="Noto Sans KR" panose="020B0200000000000000" pitchFamily="50" charset="-127"/>
+            </a:endParaRPr>
+          </a:p>
+        </p:txBody>
+      </p:sp>
+      <p:sp>
+        <p:nvSpPr>
+          <p:cNvPr id="21" name="직사각형 20">
+            <a:extLst>
+              <a:ext uri="{FF2B5EF4-FFF2-40B4-BE49-F238E27FC236}">
+                <a16:creationId xmlns:a16="http://schemas.microsoft.com/office/drawing/2014/main" id="{6BEC370E-FBA7-9B93-C7E0-5BB1744F4D22}"/>
+              </a:ext>
+            </a:extLst>
+          </p:cNvPr>
+          <p:cNvSpPr/>
+          <p:nvPr/>
+        </p:nvSpPr>
+        <p:spPr>
+          <a:xfrm>
+            <a:off x="10164432" y="746891"/>
+            <a:ext cx="290775" cy="290775"/>
+          </a:xfrm>
+          <a:prstGeom prst="rect">
+            <a:avLst/>
+          </a:prstGeom>
+          <a:solidFill>
+            <a:schemeClr val="bg1"/>
+          </a:solidFill>
+          <a:ln w="12700">
+            <a:solidFill>
+              <a:schemeClr val="tx1">
+                <a:lumMod val="85000"/>
+                <a:lumOff val="15000"/>
+              </a:schemeClr>
+            </a:solidFill>
+          </a:ln>
+        </p:spPr>
+        <p:style>
+          <a:lnRef idx="2">
+            <a:schemeClr val="accent1">
+              <a:shade val="15000"/>
+            </a:schemeClr>
+          </a:lnRef>
+          <a:fillRef idx="1">
+            <a:schemeClr val="accent1"/>
+          </a:fillRef>
+          <a:effectRef idx="0">
+            <a:schemeClr val="accent1"/>
+          </a:effectRef>
+          <a:fontRef idx="minor">
+            <a:schemeClr val="lt1"/>
+          </a:fontRef>
+        </p:style>
+        <p:txBody>
+          <a:bodyPr lIns="0" tIns="0" rIns="0" bIns="0" rtlCol="0" anchor="ctr"/>
+          <a:lstStyle/>
+          <a:p>
+            <a:pPr algn="ctr"/>
+            <a:r>
+              <a:rPr lang="en-US" altLang="ko-KR" sz="1200">
+                <a:solidFill>
+                  <a:schemeClr val="tx1">
+                    <a:lumMod val="85000"/>
+                    <a:lumOff val="15000"/>
+                  </a:schemeClr>
+                </a:solidFill>
+                <a:latin typeface="Noto Sans KR" panose="020B0200000000000000" pitchFamily="50" charset="-127"/>
+                <a:ea typeface="Noto Sans KR" panose="020B0200000000000000" pitchFamily="50" charset="-127"/>
+              </a:rPr>
+              <a:t>T</a:t>
+            </a:r>
+            <a:r>
+              <a:rPr lang="en-US" altLang="ko-KR" sz="1200" baseline="-25000">
+                <a:solidFill>
+                  <a:schemeClr val="tx1">
+                    <a:lumMod val="85000"/>
+                    <a:lumOff val="15000"/>
+                  </a:schemeClr>
+                </a:solidFill>
+                <a:latin typeface="Noto Sans KR" panose="020B0200000000000000" pitchFamily="50" charset="-127"/>
+                <a:ea typeface="Noto Sans KR" panose="020B0200000000000000" pitchFamily="50" charset="-127"/>
+              </a:rPr>
+              <a:t>2</a:t>
+            </a:r>
+            <a:endParaRPr lang="ko-KR" altLang="en-US" sz="1200" baseline="-25000">
+              <a:solidFill>
+                <a:schemeClr val="tx1">
+                  <a:lumMod val="85000"/>
+                  <a:lumOff val="15000"/>
+                </a:schemeClr>
+              </a:solidFill>
+              <a:latin typeface="Noto Sans KR" panose="020B0200000000000000" pitchFamily="50" charset="-127"/>
+              <a:ea typeface="Noto Sans KR" panose="020B0200000000000000" pitchFamily="50" charset="-127"/>
+            </a:endParaRPr>
+          </a:p>
+        </p:txBody>
+      </p:sp>
+      <p:sp>
+        <p:nvSpPr>
+          <p:cNvPr id="22" name="직사각형 21">
+            <a:extLst>
+              <a:ext uri="{FF2B5EF4-FFF2-40B4-BE49-F238E27FC236}">
+                <a16:creationId xmlns:a16="http://schemas.microsoft.com/office/drawing/2014/main" id="{8AA080A6-4843-D21C-5F56-45496C836ABC}"/>
+              </a:ext>
+            </a:extLst>
+          </p:cNvPr>
+          <p:cNvSpPr/>
+          <p:nvPr/>
+        </p:nvSpPr>
+        <p:spPr>
+          <a:xfrm>
+            <a:off x="9800987" y="746891"/>
+            <a:ext cx="290775" cy="290775"/>
+          </a:xfrm>
+          <a:prstGeom prst="rect">
+            <a:avLst/>
+          </a:prstGeom>
+          <a:solidFill>
+            <a:schemeClr val="bg1"/>
+          </a:solidFill>
+          <a:ln w="12700">
+            <a:solidFill>
+              <a:schemeClr val="tx1">
+                <a:lumMod val="85000"/>
+                <a:lumOff val="15000"/>
+              </a:schemeClr>
+            </a:solidFill>
+          </a:ln>
+        </p:spPr>
+        <p:style>
+          <a:lnRef idx="2">
+            <a:schemeClr val="accent1">
+              <a:shade val="15000"/>
+            </a:schemeClr>
+          </a:lnRef>
+          <a:fillRef idx="1">
+            <a:schemeClr val="accent1"/>
+          </a:fillRef>
+          <a:effectRef idx="0">
+            <a:schemeClr val="accent1"/>
+          </a:effectRef>
+          <a:fontRef idx="minor">
+            <a:schemeClr val="lt1"/>
+          </a:fontRef>
+        </p:style>
+        <p:txBody>
+          <a:bodyPr lIns="0" tIns="0" rIns="0" bIns="0" rtlCol="0" anchor="ctr"/>
+          <a:lstStyle/>
+          <a:p>
+            <a:pPr algn="ctr"/>
+            <a:r>
+              <a:rPr lang="en-US" altLang="ko-KR" sz="1200">
+                <a:solidFill>
+                  <a:schemeClr val="tx1">
+                    <a:lumMod val="85000"/>
+                    <a:lumOff val="15000"/>
+                  </a:schemeClr>
+                </a:solidFill>
+                <a:latin typeface="Noto Sans KR" panose="020B0200000000000000" pitchFamily="50" charset="-127"/>
+                <a:ea typeface="Noto Sans KR" panose="020B0200000000000000" pitchFamily="50" charset="-127"/>
+              </a:rPr>
+              <a:t>T</a:t>
+            </a:r>
+            <a:r>
+              <a:rPr lang="en-US" altLang="ko-KR" sz="1200" baseline="-25000">
+                <a:solidFill>
+                  <a:schemeClr val="tx1">
+                    <a:lumMod val="85000"/>
+                    <a:lumOff val="15000"/>
+                  </a:schemeClr>
+                </a:solidFill>
+                <a:latin typeface="Noto Sans KR" panose="020B0200000000000000" pitchFamily="50" charset="-127"/>
+                <a:ea typeface="Noto Sans KR" panose="020B0200000000000000" pitchFamily="50" charset="-127"/>
+              </a:rPr>
+              <a:t>1</a:t>
+            </a:r>
+            <a:endParaRPr lang="ko-KR" altLang="en-US" sz="1200" baseline="-25000">
+              <a:solidFill>
+                <a:schemeClr val="tx1">
+                  <a:lumMod val="85000"/>
+                  <a:lumOff val="15000"/>
+                </a:schemeClr>
+              </a:solidFill>
+              <a:latin typeface="Noto Sans KR" panose="020B0200000000000000" pitchFamily="50" charset="-127"/>
+              <a:ea typeface="Noto Sans KR" panose="020B0200000000000000" pitchFamily="50" charset="-127"/>
+            </a:endParaRPr>
+          </a:p>
+        </p:txBody>
+      </p:sp>
+      <p:sp>
+        <p:nvSpPr>
+          <p:cNvPr id="24" name="직사각형 23">
+            <a:extLst>
+              <a:ext uri="{FF2B5EF4-FFF2-40B4-BE49-F238E27FC236}">
+                <a16:creationId xmlns:a16="http://schemas.microsoft.com/office/drawing/2014/main" id="{336D761C-8B51-AB9C-3D1F-451E4C6A5A7D}"/>
+              </a:ext>
+            </a:extLst>
+          </p:cNvPr>
+          <p:cNvSpPr/>
+          <p:nvPr/>
+        </p:nvSpPr>
+        <p:spPr>
+          <a:xfrm>
+            <a:off x="320040" y="1381129"/>
+            <a:ext cx="679704" cy="284480"/>
+          </a:xfrm>
+          <a:prstGeom prst="rect">
+            <a:avLst/>
+          </a:prstGeom>
+          <a:noFill/>
+          <a:ln>
+            <a:noFill/>
+          </a:ln>
+        </p:spPr>
+        <p:style>
+          <a:lnRef idx="2">
+            <a:schemeClr val="accent1">
+              <a:shade val="15000"/>
+            </a:schemeClr>
+          </a:lnRef>
+          <a:fillRef idx="1">
+            <a:schemeClr val="accent1"/>
+          </a:fillRef>
+          <a:effectRef idx="0">
+            <a:schemeClr val="accent1"/>
+          </a:effectRef>
+          <a:fontRef idx="minor">
+            <a:schemeClr val="lt1"/>
+          </a:fontRef>
+        </p:style>
+        <p:txBody>
+          <a:bodyPr lIns="0" tIns="0" rIns="0" bIns="0" rtlCol="0" anchor="ctr"/>
+          <a:lstStyle/>
+          <a:p>
+            <a:pPr algn="ctr"/>
+            <a:r>
+              <a:rPr lang="ko-KR" altLang="en-US" spc="-150">
+                <a:solidFill>
+                  <a:schemeClr val="tx1">
+                    <a:lumMod val="85000"/>
+                    <a:lumOff val="15000"/>
+                  </a:schemeClr>
+                </a:solidFill>
+                <a:latin typeface="Noto Sans KR" panose="020B0200000000000000" pitchFamily="50" charset="-127"/>
+                <a:ea typeface="Noto Sans KR" panose="020B0200000000000000" pitchFamily="50" charset="-127"/>
+              </a:rPr>
+              <a:t>작업</a:t>
+            </a:r>
+            <a:endParaRPr lang="en-US" altLang="ko-KR" spc="-150">
+              <a:solidFill>
+                <a:schemeClr val="tx1">
+                  <a:lumMod val="85000"/>
+                  <a:lumOff val="15000"/>
+                </a:schemeClr>
+              </a:solidFill>
+              <a:latin typeface="Noto Sans KR" panose="020B0200000000000000" pitchFamily="50" charset="-127"/>
+              <a:ea typeface="Noto Sans KR" panose="020B0200000000000000" pitchFamily="50" charset="-127"/>
+            </a:endParaRPr>
+          </a:p>
+          <a:p>
+            <a:pPr algn="ctr"/>
+            <a:r>
+              <a:rPr lang="ko-KR" altLang="en-US" spc="-150">
+                <a:solidFill>
+                  <a:schemeClr val="tx1">
+                    <a:lumMod val="85000"/>
+                    <a:lumOff val="15000"/>
+                  </a:schemeClr>
+                </a:solidFill>
+                <a:latin typeface="Noto Sans KR" panose="020B0200000000000000" pitchFamily="50" charset="-127"/>
+                <a:ea typeface="Noto Sans KR" panose="020B0200000000000000" pitchFamily="50" charset="-127"/>
+              </a:rPr>
+              <a:t>영역</a:t>
+            </a:r>
+          </a:p>
+        </p:txBody>
+      </p:sp>
+      <p:cxnSp>
+        <p:nvCxnSpPr>
+          <p:cNvPr id="25" name="연결선: 구부러짐 24">
+            <a:extLst>
+              <a:ext uri="{FF2B5EF4-FFF2-40B4-BE49-F238E27FC236}">
+                <a16:creationId xmlns:a16="http://schemas.microsoft.com/office/drawing/2014/main" id="{E3520C3E-FDDD-E8B6-8FD0-7011732079ED}"/>
+              </a:ext>
+            </a:extLst>
+          </p:cNvPr>
+          <p:cNvCxnSpPr>
+            <a:cxnSpLocks/>
+          </p:cNvCxnSpPr>
+          <p:nvPr/>
+        </p:nvCxnSpPr>
+        <p:spPr>
+          <a:xfrm flipV="1">
+            <a:off x="999744" y="1265876"/>
+            <a:ext cx="373604" cy="115253"/>
+          </a:xfrm>
+          <a:prstGeom prst="curvedConnector3">
+            <a:avLst>
+              <a:gd name="adj1" fmla="val 50000"/>
+            </a:avLst>
+          </a:prstGeom>
+          <a:ln w="12700">
+            <a:solidFill>
+              <a:schemeClr val="tx1">
+                <a:lumMod val="85000"/>
+                <a:lumOff val="15000"/>
+              </a:schemeClr>
+            </a:solidFill>
+            <a:tailEnd type="stealth" w="lg" len="lg"/>
+          </a:ln>
+        </p:spPr>
+        <p:style>
+          <a:lnRef idx="2">
+            <a:schemeClr val="accent1"/>
+          </a:lnRef>
+          <a:fillRef idx="0">
+            <a:schemeClr val="accent1"/>
+          </a:fillRef>
+          <a:effectRef idx="1">
+            <a:schemeClr val="accent1"/>
+          </a:effectRef>
+          <a:fontRef idx="minor">
+            <a:schemeClr val="tx1"/>
+          </a:fontRef>
+        </p:style>
+      </p:cxnSp>
+      <p:sp>
+        <p:nvSpPr>
+          <p:cNvPr id="10" name="이등변 삼각형 9">
+            <a:extLst>
+              <a:ext uri="{FF2B5EF4-FFF2-40B4-BE49-F238E27FC236}">
+                <a16:creationId xmlns:a16="http://schemas.microsoft.com/office/drawing/2014/main" id="{8425C16A-0ABB-5C59-89F4-639628D8AB0B}"/>
+              </a:ext>
+            </a:extLst>
+          </p:cNvPr>
+          <p:cNvSpPr/>
+          <p:nvPr/>
+        </p:nvSpPr>
+        <p:spPr>
+          <a:xfrm rot="10800000">
+            <a:off x="4551680" y="842075"/>
+            <a:ext cx="116471" cy="100406"/>
+          </a:xfrm>
+          <a:prstGeom prst="triangle">
+            <a:avLst/>
+          </a:prstGeom>
+          <a:solidFill>
+            <a:srgbClr val="0070C0"/>
+          </a:solidFill>
+          <a:ln>
+            <a:noFill/>
+          </a:ln>
+        </p:spPr>
+        <p:style>
+          <a:lnRef idx="2">
+            <a:schemeClr val="accent1">
+              <a:shade val="15000"/>
+            </a:schemeClr>
+          </a:lnRef>
+          <a:fillRef idx="1">
+            <a:schemeClr val="accent1"/>
+          </a:fillRef>
+          <a:effectRef idx="0">
+            <a:schemeClr val="accent1"/>
+          </a:effectRef>
+          <a:fontRef idx="minor">
+            <a:schemeClr val="lt1"/>
+          </a:fontRef>
+        </p:style>
+        <p:txBody>
+          <a:bodyPr rtlCol="0" anchor="ctr"/>
+          <a:lstStyle/>
+          <a:p>
+            <a:pPr algn="ctr"/>
+            <a:endParaRPr lang="ko-KR" altLang="en-US"/>
+          </a:p>
+        </p:txBody>
+      </p:sp>
+      <p:sp>
+        <p:nvSpPr>
+          <p:cNvPr id="44" name="직사각형 43">
+            <a:extLst>
+              <a:ext uri="{FF2B5EF4-FFF2-40B4-BE49-F238E27FC236}">
+                <a16:creationId xmlns:a16="http://schemas.microsoft.com/office/drawing/2014/main" id="{C610C61A-B830-5A75-28C4-C942076EA9FD}"/>
+              </a:ext>
+            </a:extLst>
+          </p:cNvPr>
+          <p:cNvSpPr/>
+          <p:nvPr/>
+        </p:nvSpPr>
+        <p:spPr>
+          <a:xfrm>
+            <a:off x="2583180" y="1624742"/>
+            <a:ext cx="7025640" cy="4533805"/>
+          </a:xfrm>
+          <a:prstGeom prst="rect">
+            <a:avLst/>
+          </a:prstGeom>
+          <a:solidFill>
+            <a:schemeClr val="bg1"/>
+          </a:solidFill>
+          <a:ln w="12700">
+            <a:solidFill>
+              <a:schemeClr val="tx1">
+                <a:lumMod val="85000"/>
+                <a:lumOff val="15000"/>
+              </a:schemeClr>
+            </a:solidFill>
+            <a:prstDash val="dash"/>
+          </a:ln>
+        </p:spPr>
+        <p:style>
+          <a:lnRef idx="2">
+            <a:schemeClr val="accent1">
+              <a:shade val="15000"/>
+            </a:schemeClr>
+          </a:lnRef>
+          <a:fillRef idx="1">
+            <a:schemeClr val="accent1"/>
+          </a:fillRef>
+          <a:effectRef idx="0">
+            <a:schemeClr val="accent1"/>
+          </a:effectRef>
+          <a:fontRef idx="minor">
+            <a:schemeClr val="lt1"/>
+          </a:fontRef>
+        </p:style>
+        <p:txBody>
+          <a:bodyPr lIns="180000" tIns="108000" rIns="180000" rtlCol="0" anchor="ctr"/>
+          <a:lstStyle/>
+          <a:p>
+            <a:pPr algn="ctr"/>
+            <a:endParaRPr lang="ko-KR" altLang="en-US" sz="1400" spc="-70">
+              <a:solidFill>
+                <a:schemeClr val="tx1">
+                  <a:lumMod val="85000"/>
+                  <a:lumOff val="15000"/>
+                </a:schemeClr>
+              </a:solidFill>
+              <a:latin typeface="Noto Sans KR" panose="020B0200000000000000" pitchFamily="50" charset="-127"/>
+              <a:ea typeface="Noto Sans KR" panose="020B0200000000000000" pitchFamily="50" charset="-127"/>
+            </a:endParaRPr>
+          </a:p>
+        </p:txBody>
+      </p:sp>
+      <p:sp>
+        <p:nvSpPr>
+          <p:cNvPr id="48" name="직사각형 47">
+            <a:extLst>
+              <a:ext uri="{FF2B5EF4-FFF2-40B4-BE49-F238E27FC236}">
+                <a16:creationId xmlns:a16="http://schemas.microsoft.com/office/drawing/2014/main" id="{FD00F3F2-EF43-08ED-BF9D-E73FE1DAE242}"/>
+              </a:ext>
+            </a:extLst>
+          </p:cNvPr>
+          <p:cNvSpPr/>
+          <p:nvPr/>
+        </p:nvSpPr>
+        <p:spPr>
+          <a:xfrm>
+            <a:off x="320040" y="2107533"/>
+            <a:ext cx="1996440" cy="284480"/>
+          </a:xfrm>
+          <a:prstGeom prst="rect">
+            <a:avLst/>
+          </a:prstGeom>
+          <a:noFill/>
+          <a:ln>
+            <a:noFill/>
+          </a:ln>
+        </p:spPr>
+        <p:style>
+          <a:lnRef idx="2">
+            <a:schemeClr val="accent1">
+              <a:shade val="15000"/>
+            </a:schemeClr>
+          </a:lnRef>
+          <a:fillRef idx="1">
+            <a:schemeClr val="accent1"/>
+          </a:fillRef>
+          <a:effectRef idx="0">
+            <a:schemeClr val="accent1"/>
+          </a:effectRef>
+          <a:fontRef idx="minor">
+            <a:schemeClr val="lt1"/>
+          </a:fontRef>
+        </p:style>
+        <p:txBody>
+          <a:bodyPr lIns="0" tIns="0" rIns="0" bIns="0" rtlCol="0" anchor="ctr"/>
+          <a:lstStyle/>
+          <a:p>
+            <a:pPr algn="ctr"/>
+            <a:r>
+              <a:rPr lang="en-US" altLang="ko-KR" spc="-150">
+                <a:solidFill>
+                  <a:schemeClr val="tx1">
+                    <a:lumMod val="85000"/>
+                    <a:lumOff val="15000"/>
+                  </a:schemeClr>
+                </a:solidFill>
+                <a:latin typeface="Noto Sans KR" panose="020B0200000000000000" pitchFamily="50" charset="-127"/>
+                <a:ea typeface="Noto Sans KR" panose="020B0200000000000000" pitchFamily="50" charset="-127"/>
+              </a:rPr>
+              <a:t>(</a:t>
+            </a:r>
+            <a:r>
+              <a:rPr lang="ko-KR" altLang="en-US" spc="-150">
+                <a:solidFill>
+                  <a:schemeClr val="tx1">
+                    <a:lumMod val="85000"/>
+                    <a:lumOff val="15000"/>
+                  </a:schemeClr>
+                </a:solidFill>
+                <a:latin typeface="Noto Sans KR" panose="020B0200000000000000" pitchFamily="50" charset="-127"/>
+                <a:ea typeface="Noto Sans KR" panose="020B0200000000000000" pitchFamily="50" charset="-127"/>
+              </a:rPr>
+              <a:t>유틸리티별 작업영역은 단일페이지로 구성</a:t>
+            </a:r>
+            <a:r>
+              <a:rPr lang="en-US" altLang="ko-KR" spc="-150">
+                <a:solidFill>
+                  <a:schemeClr val="tx1">
+                    <a:lumMod val="85000"/>
+                    <a:lumOff val="15000"/>
+                  </a:schemeClr>
+                </a:solidFill>
+                <a:latin typeface="Noto Sans KR" panose="020B0200000000000000" pitchFamily="50" charset="-127"/>
+                <a:ea typeface="Noto Sans KR" panose="020B0200000000000000" pitchFamily="50" charset="-127"/>
+              </a:rPr>
+              <a:t>)</a:t>
+            </a:r>
+            <a:endParaRPr lang="ko-KR" altLang="en-US" spc="-150">
+              <a:solidFill>
+                <a:schemeClr val="tx1">
+                  <a:lumMod val="85000"/>
+                  <a:lumOff val="15000"/>
+                </a:schemeClr>
+              </a:solidFill>
+              <a:latin typeface="Noto Sans KR" panose="020B0200000000000000" pitchFamily="50" charset="-127"/>
+              <a:ea typeface="Noto Sans KR" panose="020B0200000000000000" pitchFamily="50" charset="-127"/>
+            </a:endParaRPr>
+          </a:p>
+        </p:txBody>
+      </p:sp>
+      <p:sp>
+        <p:nvSpPr>
+          <p:cNvPr id="49" name="직사각형 48">
+            <a:extLst>
+              <a:ext uri="{FF2B5EF4-FFF2-40B4-BE49-F238E27FC236}">
+                <a16:creationId xmlns:a16="http://schemas.microsoft.com/office/drawing/2014/main" id="{9ADA6462-45A3-EBCF-33C9-12ED8DBFE58B}"/>
+              </a:ext>
+            </a:extLst>
+          </p:cNvPr>
+          <p:cNvSpPr/>
+          <p:nvPr/>
+        </p:nvSpPr>
+        <p:spPr>
+          <a:xfrm>
+            <a:off x="10764109" y="1085104"/>
+            <a:ext cx="272599" cy="5073443"/>
+          </a:xfrm>
+          <a:prstGeom prst="rect">
+            <a:avLst/>
+          </a:prstGeom>
+          <a:solidFill>
+            <a:schemeClr val="bg1"/>
+          </a:solidFill>
+          <a:ln w="12700">
+            <a:solidFill>
+              <a:schemeClr val="tx1">
+                <a:lumMod val="85000"/>
+                <a:lumOff val="15000"/>
+              </a:schemeClr>
+            </a:solidFill>
+            <a:prstDash val="dash"/>
+          </a:ln>
+        </p:spPr>
+        <p:style>
+          <a:lnRef idx="2">
+            <a:schemeClr val="accent1">
+              <a:shade val="15000"/>
+            </a:schemeClr>
+          </a:lnRef>
+          <a:fillRef idx="1">
+            <a:schemeClr val="accent1"/>
+          </a:fillRef>
+          <a:effectRef idx="0">
+            <a:schemeClr val="accent1"/>
+          </a:effectRef>
+          <a:fontRef idx="minor">
+            <a:schemeClr val="lt1"/>
+          </a:fontRef>
+        </p:style>
+        <p:txBody>
+          <a:bodyPr vert="vert270" lIns="180000" tIns="108000" rIns="180000" rtlCol="0" anchor="ctr"/>
+          <a:lstStyle/>
+          <a:p>
+            <a:pPr algn="ctr"/>
+            <a:r>
+              <a:rPr lang="en-US" altLang="ko-KR" sz="1400" spc="-70">
+                <a:solidFill>
+                  <a:schemeClr val="tx1">
+                    <a:lumMod val="85000"/>
+                    <a:lumOff val="15000"/>
+                  </a:schemeClr>
+                </a:solidFill>
+                <a:latin typeface="Noto Sans KR" panose="020B0200000000000000" pitchFamily="50" charset="-127"/>
+                <a:ea typeface="Noto Sans KR" panose="020B0200000000000000" pitchFamily="50" charset="-127"/>
+              </a:rPr>
+              <a:t>Scroll Bar</a:t>
+            </a:r>
+            <a:endParaRPr lang="ko-KR" altLang="en-US" sz="1400" spc="-70">
+              <a:solidFill>
+                <a:schemeClr val="tx1">
+                  <a:lumMod val="85000"/>
+                  <a:lumOff val="15000"/>
+                </a:schemeClr>
+              </a:solidFill>
+              <a:latin typeface="Noto Sans KR" panose="020B0200000000000000" pitchFamily="50" charset="-127"/>
+              <a:ea typeface="Noto Sans KR" panose="020B0200000000000000" pitchFamily="50" charset="-127"/>
+            </a:endParaRPr>
+          </a:p>
+        </p:txBody>
+      </p:sp>
+      <p:sp>
+        <p:nvSpPr>
+          <p:cNvPr id="50" name="직사각형 49">
+            <a:extLst>
+              <a:ext uri="{FF2B5EF4-FFF2-40B4-BE49-F238E27FC236}">
+                <a16:creationId xmlns:a16="http://schemas.microsoft.com/office/drawing/2014/main" id="{C7EDA092-8DDB-E9F7-72BC-48212BF35763}"/>
+              </a:ext>
+            </a:extLst>
+          </p:cNvPr>
+          <p:cNvSpPr/>
+          <p:nvPr/>
+        </p:nvSpPr>
+        <p:spPr>
+          <a:xfrm>
+            <a:off x="6819900" y="6283984"/>
+            <a:ext cx="3707977" cy="284480"/>
+          </a:xfrm>
+          <a:prstGeom prst="rect">
+            <a:avLst/>
+          </a:prstGeom>
+          <a:noFill/>
+          <a:ln>
+            <a:noFill/>
+          </a:ln>
+        </p:spPr>
+        <p:style>
+          <a:lnRef idx="2">
+            <a:schemeClr val="accent1">
+              <a:shade val="15000"/>
+            </a:schemeClr>
+          </a:lnRef>
+          <a:fillRef idx="1">
+            <a:schemeClr val="accent1"/>
+          </a:fillRef>
+          <a:effectRef idx="0">
+            <a:schemeClr val="accent1"/>
+          </a:effectRef>
+          <a:fontRef idx="minor">
+            <a:schemeClr val="lt1"/>
+          </a:fontRef>
+        </p:style>
+        <p:txBody>
+          <a:bodyPr lIns="0" tIns="0" rIns="0" bIns="0" rtlCol="0" anchor="ctr"/>
+          <a:lstStyle/>
+          <a:p>
+            <a:pPr algn="ctr"/>
+            <a:r>
+              <a:rPr lang="ko-KR" altLang="en-US" spc="-150">
+                <a:solidFill>
+                  <a:schemeClr val="tx1">
+                    <a:lumMod val="85000"/>
+                    <a:lumOff val="15000"/>
+                  </a:schemeClr>
+                </a:solidFill>
+                <a:latin typeface="Noto Sans KR" panose="020B0200000000000000" pitchFamily="50" charset="-127"/>
+                <a:ea typeface="Noto Sans KR" panose="020B0200000000000000" pitchFamily="50" charset="-127"/>
+              </a:rPr>
+              <a:t>작업의 컨텐츠 크기에 따라 스크롤바 표시</a:t>
+            </a:r>
+          </a:p>
+        </p:txBody>
+      </p:sp>
+      <p:cxnSp>
+        <p:nvCxnSpPr>
+          <p:cNvPr id="51" name="연결선: 구부러짐 50">
+            <a:extLst>
+              <a:ext uri="{FF2B5EF4-FFF2-40B4-BE49-F238E27FC236}">
+                <a16:creationId xmlns:a16="http://schemas.microsoft.com/office/drawing/2014/main" id="{F61F091C-15A8-9341-235F-D9AB4BE562F6}"/>
+              </a:ext>
+            </a:extLst>
+          </p:cNvPr>
+          <p:cNvCxnSpPr>
+            <a:cxnSpLocks/>
+            <a:endCxn id="49" idx="2"/>
+          </p:cNvCxnSpPr>
+          <p:nvPr/>
+        </p:nvCxnSpPr>
+        <p:spPr>
+          <a:xfrm flipV="1">
+            <a:off x="10455207" y="6158547"/>
+            <a:ext cx="445202" cy="257493"/>
+          </a:xfrm>
+          <a:prstGeom prst="curvedConnector2">
+            <a:avLst/>
+          </a:prstGeom>
+          <a:ln w="12700">
+            <a:solidFill>
+              <a:schemeClr val="tx1">
+                <a:lumMod val="85000"/>
+                <a:lumOff val="15000"/>
+              </a:schemeClr>
+            </a:solidFill>
+            <a:tailEnd type="stealth" w="lg" len="lg"/>
+          </a:ln>
+        </p:spPr>
+        <p:style>
+          <a:lnRef idx="2">
+            <a:schemeClr val="accent1"/>
+          </a:lnRef>
+          <a:fillRef idx="0">
+            <a:schemeClr val="accent1"/>
+          </a:fillRef>
+          <a:effectRef idx="1">
+            <a:schemeClr val="accent1"/>
+          </a:effectRef>
+          <a:fontRef idx="minor">
+            <a:schemeClr val="tx1"/>
+          </a:fontRef>
+        </p:style>
+      </p:cxnSp>
+      <p:sp>
+        <p:nvSpPr>
+          <p:cNvPr id="2" name="사각형: 둥근 모서리 1">
+            <a:extLst>
+              <a:ext uri="{FF2B5EF4-FFF2-40B4-BE49-F238E27FC236}">
+                <a16:creationId xmlns:a16="http://schemas.microsoft.com/office/drawing/2014/main" id="{20D3EFDF-B83F-9AC8-D74C-E0B70697293E}"/>
+              </a:ext>
+            </a:extLst>
+          </p:cNvPr>
+          <p:cNvSpPr/>
+          <p:nvPr/>
+        </p:nvSpPr>
+        <p:spPr>
+          <a:xfrm>
+            <a:off x="2636520" y="1665609"/>
+            <a:ext cx="6918960" cy="1941191"/>
+          </a:xfrm>
+          <a:prstGeom prst="roundRect">
+            <a:avLst>
+              <a:gd name="adj" fmla="val 4629"/>
+            </a:avLst>
+          </a:prstGeom>
+          <a:solidFill>
+            <a:schemeClr val="bg1">
+              <a:lumMod val="95000"/>
+            </a:schemeClr>
+          </a:solidFill>
+          <a:ln>
+            <a:noFill/>
+          </a:ln>
+        </p:spPr>
+        <p:style>
+          <a:lnRef idx="2">
+            <a:schemeClr val="accent1">
+              <a:shade val="15000"/>
+            </a:schemeClr>
+          </a:lnRef>
+          <a:fillRef idx="1">
+            <a:schemeClr val="accent1"/>
+          </a:fillRef>
+          <a:effectRef idx="0">
+            <a:schemeClr val="accent1"/>
+          </a:effectRef>
+          <a:fontRef idx="minor">
+            <a:schemeClr val="lt1"/>
+          </a:fontRef>
+        </p:style>
+        <p:txBody>
+          <a:bodyPr lIns="360000" tIns="108000" rtlCol="0" anchor="t"/>
+          <a:lstStyle/>
+          <a:p>
+            <a:r>
+              <a:rPr lang="en-US" altLang="ko-KR" sz="1200" b="1">
+                <a:solidFill>
+                  <a:schemeClr val="tx1">
+                    <a:lumMod val="85000"/>
+                    <a:lumOff val="15000"/>
+                  </a:schemeClr>
+                </a:solidFill>
+                <a:latin typeface="Noto Sans KR" panose="020B0200000000000000" pitchFamily="50" charset="-127"/>
+                <a:ea typeface="Noto Sans KR" panose="020B0200000000000000" pitchFamily="50" charset="-127"/>
+              </a:rPr>
+              <a:t>Section 1</a:t>
+            </a:r>
+            <a:r>
+              <a:rPr lang="en-US" altLang="ko-KR" sz="1200">
+                <a:solidFill>
+                  <a:schemeClr val="tx1">
+                    <a:lumMod val="85000"/>
+                    <a:lumOff val="15000"/>
+                  </a:schemeClr>
+                </a:solidFill>
+                <a:latin typeface="Noto Sans KR" panose="020B0200000000000000" pitchFamily="50" charset="-127"/>
+                <a:ea typeface="Noto Sans KR" panose="020B0200000000000000" pitchFamily="50" charset="-127"/>
+              </a:rPr>
+              <a:t> (</a:t>
+            </a:r>
+            <a:r>
+              <a:rPr lang="ko-KR" altLang="en-US" sz="1200">
+                <a:solidFill>
+                  <a:schemeClr val="tx1">
+                    <a:lumMod val="85000"/>
+                    <a:lumOff val="15000"/>
+                  </a:schemeClr>
+                </a:solidFill>
+                <a:latin typeface="Noto Sans KR" panose="020B0200000000000000" pitchFamily="50" charset="-127"/>
+                <a:ea typeface="Noto Sans KR" panose="020B0200000000000000" pitchFamily="50" charset="-127"/>
+              </a:rPr>
+              <a:t>열린 섹션</a:t>
+            </a:r>
+            <a:r>
+              <a:rPr lang="en-US" altLang="ko-KR" sz="1200">
+                <a:solidFill>
+                  <a:schemeClr val="tx1">
+                    <a:lumMod val="85000"/>
+                    <a:lumOff val="15000"/>
+                  </a:schemeClr>
+                </a:solidFill>
+                <a:latin typeface="Noto Sans KR" panose="020B0200000000000000" pitchFamily="50" charset="-127"/>
+                <a:ea typeface="Noto Sans KR" panose="020B0200000000000000" pitchFamily="50" charset="-127"/>
+              </a:rPr>
+              <a:t>)</a:t>
+            </a:r>
+            <a:endParaRPr lang="ko-KR" altLang="en-US" sz="1200">
+              <a:solidFill>
+                <a:schemeClr val="tx1">
+                  <a:lumMod val="85000"/>
+                  <a:lumOff val="15000"/>
+                </a:schemeClr>
+              </a:solidFill>
+              <a:latin typeface="Noto Sans KR" panose="020B0200000000000000" pitchFamily="50" charset="-127"/>
+              <a:ea typeface="Noto Sans KR" panose="020B0200000000000000" pitchFamily="50" charset="-127"/>
+            </a:endParaRPr>
+          </a:p>
+        </p:txBody>
+      </p:sp>
+      <p:pic>
+        <p:nvPicPr>
+          <p:cNvPr id="3" name="그래픽 2" descr="오른쪽 캐럿 단색으로 채워진">
+            <a:extLst>
+              <a:ext uri="{FF2B5EF4-FFF2-40B4-BE49-F238E27FC236}">
+                <a16:creationId xmlns:a16="http://schemas.microsoft.com/office/drawing/2014/main" id="{7176C2D6-5AD6-97E4-127A-FA7D947641AD}"/>
+              </a:ext>
+            </a:extLst>
+          </p:cNvPr>
+          <p:cNvPicPr>
+            <a:picLocks noChangeAspect="1"/>
+          </p:cNvPicPr>
+          <p:nvPr/>
+        </p:nvPicPr>
+        <p:blipFill>
+          <a:blip r:embed="rId2">
+            <a:extLst>
+              <a:ext uri="{96DAC541-7B7A-43D3-8B79-37D633B846F1}">
+                <asvg:svgBlip xmlns:asvg="http://schemas.microsoft.com/office/drawing/2016/SVG/main" r:embed="rId3"/>
+              </a:ext>
+            </a:extLst>
+          </a:blip>
+          <a:stretch>
+            <a:fillRect/>
+          </a:stretch>
+        </p:blipFill>
+        <p:spPr>
+          <a:xfrm rot="5400000">
+            <a:off x="2749551" y="1791381"/>
+            <a:ext cx="210140" cy="210140"/>
+          </a:xfrm>
+          <a:prstGeom prst="rect">
+            <a:avLst/>
+          </a:prstGeom>
+        </p:spPr>
+      </p:pic>
+      <p:sp>
+        <p:nvSpPr>
+          <p:cNvPr id="13" name="사각형: 둥근 모서리 12">
+            <a:extLst>
+              <a:ext uri="{FF2B5EF4-FFF2-40B4-BE49-F238E27FC236}">
+                <a16:creationId xmlns:a16="http://schemas.microsoft.com/office/drawing/2014/main" id="{F85556FE-059E-6AA6-8092-EBB3E0CB455E}"/>
+              </a:ext>
+            </a:extLst>
+          </p:cNvPr>
+          <p:cNvSpPr/>
+          <p:nvPr/>
+        </p:nvSpPr>
+        <p:spPr>
+          <a:xfrm>
+            <a:off x="2636520" y="3663929"/>
+            <a:ext cx="6918960" cy="412772"/>
+          </a:xfrm>
+          <a:prstGeom prst="roundRect">
+            <a:avLst>
+              <a:gd name="adj" fmla="val 21243"/>
+            </a:avLst>
+          </a:prstGeom>
+          <a:solidFill>
+            <a:schemeClr val="bg1">
+              <a:lumMod val="95000"/>
+            </a:schemeClr>
+          </a:solidFill>
+          <a:ln>
+            <a:noFill/>
+          </a:ln>
+        </p:spPr>
+        <p:style>
+          <a:lnRef idx="2">
+            <a:schemeClr val="accent1">
+              <a:shade val="15000"/>
+            </a:schemeClr>
+          </a:lnRef>
+          <a:fillRef idx="1">
+            <a:schemeClr val="accent1"/>
+          </a:fillRef>
+          <a:effectRef idx="0">
+            <a:schemeClr val="accent1"/>
+          </a:effectRef>
+          <a:fontRef idx="minor">
+            <a:schemeClr val="lt1"/>
+          </a:fontRef>
+        </p:style>
+        <p:txBody>
+          <a:bodyPr lIns="360000" tIns="36000" bIns="36000" rtlCol="0" anchor="ctr"/>
+          <a:lstStyle/>
+          <a:p>
+            <a:r>
+              <a:rPr lang="en-US" altLang="ko-KR" sz="1200" b="1">
+                <a:solidFill>
+                  <a:schemeClr val="tx1">
+                    <a:lumMod val="85000"/>
+                    <a:lumOff val="15000"/>
+                  </a:schemeClr>
+                </a:solidFill>
+                <a:latin typeface="Noto Sans KR" panose="020B0200000000000000" pitchFamily="50" charset="-127"/>
+                <a:ea typeface="Noto Sans KR" panose="020B0200000000000000" pitchFamily="50" charset="-127"/>
+              </a:rPr>
+              <a:t>Section 2</a:t>
+            </a:r>
+            <a:r>
+              <a:rPr lang="en-US" altLang="ko-KR" sz="1200">
+                <a:solidFill>
+                  <a:schemeClr val="tx1">
+                    <a:lumMod val="85000"/>
+                    <a:lumOff val="15000"/>
+                  </a:schemeClr>
+                </a:solidFill>
+                <a:latin typeface="Noto Sans KR" panose="020B0200000000000000" pitchFamily="50" charset="-127"/>
+                <a:ea typeface="Noto Sans KR" panose="020B0200000000000000" pitchFamily="50" charset="-127"/>
+              </a:rPr>
+              <a:t> (</a:t>
+            </a:r>
+            <a:r>
+              <a:rPr lang="ko-KR" altLang="en-US" sz="1200">
+                <a:solidFill>
+                  <a:schemeClr val="tx1">
+                    <a:lumMod val="85000"/>
+                    <a:lumOff val="15000"/>
+                  </a:schemeClr>
+                </a:solidFill>
+                <a:latin typeface="Noto Sans KR" panose="020B0200000000000000" pitchFamily="50" charset="-127"/>
+                <a:ea typeface="Noto Sans KR" panose="020B0200000000000000" pitchFamily="50" charset="-127"/>
+              </a:rPr>
+              <a:t>닫힌 섹션</a:t>
+            </a:r>
+            <a:r>
+              <a:rPr lang="en-US" altLang="ko-KR" sz="1200">
+                <a:solidFill>
+                  <a:schemeClr val="tx1">
+                    <a:lumMod val="85000"/>
+                    <a:lumOff val="15000"/>
+                  </a:schemeClr>
+                </a:solidFill>
+                <a:latin typeface="Noto Sans KR" panose="020B0200000000000000" pitchFamily="50" charset="-127"/>
+                <a:ea typeface="Noto Sans KR" panose="020B0200000000000000" pitchFamily="50" charset="-127"/>
+              </a:rPr>
+              <a:t>)</a:t>
+            </a:r>
+            <a:endParaRPr lang="ko-KR" altLang="en-US" sz="1200">
+              <a:solidFill>
+                <a:schemeClr val="tx1">
+                  <a:lumMod val="85000"/>
+                  <a:lumOff val="15000"/>
+                </a:schemeClr>
+              </a:solidFill>
+              <a:latin typeface="Noto Sans KR" panose="020B0200000000000000" pitchFamily="50" charset="-127"/>
+              <a:ea typeface="Noto Sans KR" panose="020B0200000000000000" pitchFamily="50" charset="-127"/>
+            </a:endParaRPr>
+          </a:p>
+        </p:txBody>
+      </p:sp>
+      <p:pic>
+        <p:nvPicPr>
+          <p:cNvPr id="15" name="그래픽 14" descr="오른쪽 캐럿 단색으로 채워진">
+            <a:extLst>
+              <a:ext uri="{FF2B5EF4-FFF2-40B4-BE49-F238E27FC236}">
+                <a16:creationId xmlns:a16="http://schemas.microsoft.com/office/drawing/2014/main" id="{CD78A0F3-D692-10A5-3958-F0177571A9CB}"/>
+              </a:ext>
+            </a:extLst>
+          </p:cNvPr>
+          <p:cNvPicPr>
+            <a:picLocks noChangeAspect="1"/>
+          </p:cNvPicPr>
+          <p:nvPr/>
+        </p:nvPicPr>
+        <p:blipFill>
+          <a:blip r:embed="rId2">
+            <a:extLst>
+              <a:ext uri="{96DAC541-7B7A-43D3-8B79-37D633B846F1}">
+                <asvg:svgBlip xmlns:asvg="http://schemas.microsoft.com/office/drawing/2016/SVG/main" r:embed="rId3"/>
+              </a:ext>
+            </a:extLst>
+          </a:blip>
+          <a:stretch>
+            <a:fillRect/>
+          </a:stretch>
+        </p:blipFill>
+        <p:spPr>
+          <a:xfrm>
+            <a:off x="2749551" y="3759223"/>
+            <a:ext cx="210140" cy="210140"/>
+          </a:xfrm>
+          <a:prstGeom prst="rect">
+            <a:avLst/>
+          </a:prstGeom>
+        </p:spPr>
+      </p:pic>
+      <p:sp>
+        <p:nvSpPr>
+          <p:cNvPr id="17" name="사각형: 둥근 모서리 16">
+            <a:extLst>
+              <a:ext uri="{FF2B5EF4-FFF2-40B4-BE49-F238E27FC236}">
+                <a16:creationId xmlns:a16="http://schemas.microsoft.com/office/drawing/2014/main" id="{72BC64F3-4270-BC14-0E16-87227A9A9B9C}"/>
+              </a:ext>
+            </a:extLst>
+          </p:cNvPr>
+          <p:cNvSpPr/>
+          <p:nvPr/>
+        </p:nvSpPr>
+        <p:spPr>
+          <a:xfrm>
+            <a:off x="2636520" y="4133830"/>
+            <a:ext cx="6918960" cy="412772"/>
+          </a:xfrm>
+          <a:prstGeom prst="roundRect">
+            <a:avLst>
+              <a:gd name="adj" fmla="val 22166"/>
+            </a:avLst>
+          </a:prstGeom>
+          <a:solidFill>
+            <a:schemeClr val="bg1">
+              <a:lumMod val="95000"/>
+            </a:schemeClr>
+          </a:solidFill>
+          <a:ln>
+            <a:noFill/>
+          </a:ln>
+        </p:spPr>
+        <p:style>
+          <a:lnRef idx="2">
+            <a:schemeClr val="accent1">
+              <a:shade val="15000"/>
+            </a:schemeClr>
+          </a:lnRef>
+          <a:fillRef idx="1">
+            <a:schemeClr val="accent1"/>
+          </a:fillRef>
+          <a:effectRef idx="0">
+            <a:schemeClr val="accent1"/>
+          </a:effectRef>
+          <a:fontRef idx="minor">
+            <a:schemeClr val="lt1"/>
+          </a:fontRef>
+        </p:style>
+        <p:txBody>
+          <a:bodyPr lIns="360000" tIns="36000" bIns="36000" rtlCol="0" anchor="ctr"/>
+          <a:lstStyle/>
+          <a:p>
+            <a:r>
+              <a:rPr lang="en-US" altLang="ko-KR" sz="1200" b="1">
+                <a:solidFill>
+                  <a:schemeClr val="tx1">
+                    <a:lumMod val="85000"/>
+                    <a:lumOff val="15000"/>
+                  </a:schemeClr>
+                </a:solidFill>
+                <a:latin typeface="Noto Sans KR" panose="020B0200000000000000" pitchFamily="50" charset="-127"/>
+                <a:ea typeface="Noto Sans KR" panose="020B0200000000000000" pitchFamily="50" charset="-127"/>
+              </a:rPr>
+              <a:t>Section 3</a:t>
+            </a:r>
+            <a:r>
+              <a:rPr lang="en-US" altLang="ko-KR" sz="1200">
+                <a:solidFill>
+                  <a:schemeClr val="tx1">
+                    <a:lumMod val="85000"/>
+                    <a:lumOff val="15000"/>
+                  </a:schemeClr>
+                </a:solidFill>
+                <a:latin typeface="Noto Sans KR" panose="020B0200000000000000" pitchFamily="50" charset="-127"/>
+                <a:ea typeface="Noto Sans KR" panose="020B0200000000000000" pitchFamily="50" charset="-127"/>
+              </a:rPr>
+              <a:t> (</a:t>
+            </a:r>
+            <a:r>
+              <a:rPr lang="ko-KR" altLang="en-US" sz="1200">
+                <a:solidFill>
+                  <a:schemeClr val="tx1">
+                    <a:lumMod val="85000"/>
+                    <a:lumOff val="15000"/>
+                  </a:schemeClr>
+                </a:solidFill>
+                <a:latin typeface="Noto Sans KR" panose="020B0200000000000000" pitchFamily="50" charset="-127"/>
+                <a:ea typeface="Noto Sans KR" panose="020B0200000000000000" pitchFamily="50" charset="-127"/>
+              </a:rPr>
+              <a:t>닫힌 섹션</a:t>
+            </a:r>
+            <a:r>
+              <a:rPr lang="en-US" altLang="ko-KR" sz="1200">
+                <a:solidFill>
+                  <a:schemeClr val="tx1">
+                    <a:lumMod val="85000"/>
+                    <a:lumOff val="15000"/>
+                  </a:schemeClr>
+                </a:solidFill>
+                <a:latin typeface="Noto Sans KR" panose="020B0200000000000000" pitchFamily="50" charset="-127"/>
+                <a:ea typeface="Noto Sans KR" panose="020B0200000000000000" pitchFamily="50" charset="-127"/>
+              </a:rPr>
+              <a:t>)</a:t>
+            </a:r>
+            <a:endParaRPr lang="ko-KR" altLang="en-US" sz="1200">
+              <a:solidFill>
+                <a:schemeClr val="tx1">
+                  <a:lumMod val="85000"/>
+                  <a:lumOff val="15000"/>
+                </a:schemeClr>
+              </a:solidFill>
+              <a:latin typeface="Noto Sans KR" panose="020B0200000000000000" pitchFamily="50" charset="-127"/>
+              <a:ea typeface="Noto Sans KR" panose="020B0200000000000000" pitchFamily="50" charset="-127"/>
+            </a:endParaRPr>
+          </a:p>
+        </p:txBody>
+      </p:sp>
+      <p:pic>
+        <p:nvPicPr>
+          <p:cNvPr id="18" name="그래픽 17" descr="오른쪽 캐럿 단색으로 채워진">
+            <a:extLst>
+              <a:ext uri="{FF2B5EF4-FFF2-40B4-BE49-F238E27FC236}">
+                <a16:creationId xmlns:a16="http://schemas.microsoft.com/office/drawing/2014/main" id="{EADF4036-C2F7-C9F0-0A01-540DE78C0E14}"/>
+              </a:ext>
+            </a:extLst>
+          </p:cNvPr>
+          <p:cNvPicPr>
+            <a:picLocks noChangeAspect="1"/>
+          </p:cNvPicPr>
+          <p:nvPr/>
+        </p:nvPicPr>
+        <p:blipFill>
+          <a:blip r:embed="rId2">
+            <a:extLst>
+              <a:ext uri="{96DAC541-7B7A-43D3-8B79-37D633B846F1}">
+                <asvg:svgBlip xmlns:asvg="http://schemas.microsoft.com/office/drawing/2016/SVG/main" r:embed="rId3"/>
+              </a:ext>
+            </a:extLst>
+          </a:blip>
+          <a:stretch>
+            <a:fillRect/>
+          </a:stretch>
+        </p:blipFill>
+        <p:spPr>
+          <a:xfrm>
+            <a:off x="2749551" y="4229124"/>
+            <a:ext cx="210140" cy="210140"/>
+          </a:xfrm>
+          <a:prstGeom prst="rect">
+            <a:avLst/>
+          </a:prstGeom>
+        </p:spPr>
+      </p:pic>
+      <p:sp>
+        <p:nvSpPr>
+          <p:cNvPr id="19" name="사각형: 둥근 모서리 18">
+            <a:extLst>
+              <a:ext uri="{FF2B5EF4-FFF2-40B4-BE49-F238E27FC236}">
+                <a16:creationId xmlns:a16="http://schemas.microsoft.com/office/drawing/2014/main" id="{D7E8F06C-5D26-0DE1-5FCE-36369A7F5D0F}"/>
+              </a:ext>
+            </a:extLst>
+          </p:cNvPr>
+          <p:cNvSpPr/>
+          <p:nvPr/>
+        </p:nvSpPr>
+        <p:spPr>
+          <a:xfrm>
+            <a:off x="2636520" y="4595510"/>
+            <a:ext cx="6918960" cy="1515600"/>
+          </a:xfrm>
+          <a:prstGeom prst="roundRect">
+            <a:avLst>
+              <a:gd name="adj" fmla="val 5383"/>
+            </a:avLst>
+          </a:prstGeom>
+          <a:solidFill>
+            <a:schemeClr val="bg1">
+              <a:lumMod val="95000"/>
+            </a:schemeClr>
+          </a:solidFill>
+          <a:ln>
+            <a:noFill/>
+          </a:ln>
+        </p:spPr>
+        <p:style>
+          <a:lnRef idx="2">
+            <a:schemeClr val="accent1">
+              <a:shade val="15000"/>
+            </a:schemeClr>
+          </a:lnRef>
+          <a:fillRef idx="1">
+            <a:schemeClr val="accent1"/>
+          </a:fillRef>
+          <a:effectRef idx="0">
+            <a:schemeClr val="accent1"/>
+          </a:effectRef>
+          <a:fontRef idx="minor">
+            <a:schemeClr val="lt1"/>
+          </a:fontRef>
+        </p:style>
+        <p:txBody>
+          <a:bodyPr lIns="360000" tIns="108000" rtlCol="0" anchor="t"/>
+          <a:lstStyle/>
+          <a:p>
+            <a:r>
+              <a:rPr lang="en-US" altLang="ko-KR" sz="1200" b="1">
+                <a:solidFill>
+                  <a:schemeClr val="tx1">
+                    <a:lumMod val="85000"/>
+                    <a:lumOff val="15000"/>
+                  </a:schemeClr>
+                </a:solidFill>
+                <a:latin typeface="Noto Sans KR" panose="020B0200000000000000" pitchFamily="50" charset="-127"/>
+                <a:ea typeface="Noto Sans KR" panose="020B0200000000000000" pitchFamily="50" charset="-127"/>
+              </a:rPr>
+              <a:t>Section 4</a:t>
+            </a:r>
+            <a:r>
+              <a:rPr lang="en-US" altLang="ko-KR" sz="1200">
+                <a:solidFill>
+                  <a:schemeClr val="tx1">
+                    <a:lumMod val="85000"/>
+                    <a:lumOff val="15000"/>
+                  </a:schemeClr>
+                </a:solidFill>
+                <a:latin typeface="Noto Sans KR" panose="020B0200000000000000" pitchFamily="50" charset="-127"/>
+                <a:ea typeface="Noto Sans KR" panose="020B0200000000000000" pitchFamily="50" charset="-127"/>
+              </a:rPr>
+              <a:t> (</a:t>
+            </a:r>
+            <a:r>
+              <a:rPr lang="ko-KR" altLang="en-US" sz="1200">
+                <a:solidFill>
+                  <a:schemeClr val="tx1">
+                    <a:lumMod val="85000"/>
+                    <a:lumOff val="15000"/>
+                  </a:schemeClr>
+                </a:solidFill>
+                <a:latin typeface="Noto Sans KR" panose="020B0200000000000000" pitchFamily="50" charset="-127"/>
+                <a:ea typeface="Noto Sans KR" panose="020B0200000000000000" pitchFamily="50" charset="-127"/>
+              </a:rPr>
+              <a:t>열린 섹션</a:t>
+            </a:r>
+            <a:r>
+              <a:rPr lang="en-US" altLang="ko-KR" sz="1200">
+                <a:solidFill>
+                  <a:schemeClr val="tx1">
+                    <a:lumMod val="85000"/>
+                    <a:lumOff val="15000"/>
+                  </a:schemeClr>
+                </a:solidFill>
+                <a:latin typeface="Noto Sans KR" panose="020B0200000000000000" pitchFamily="50" charset="-127"/>
+                <a:ea typeface="Noto Sans KR" panose="020B0200000000000000" pitchFamily="50" charset="-127"/>
+              </a:rPr>
+              <a:t>)</a:t>
+            </a:r>
+            <a:endParaRPr lang="ko-KR" altLang="en-US" sz="1200">
+              <a:solidFill>
+                <a:schemeClr val="tx1">
+                  <a:lumMod val="85000"/>
+                  <a:lumOff val="15000"/>
+                </a:schemeClr>
+              </a:solidFill>
+              <a:latin typeface="Noto Sans KR" panose="020B0200000000000000" pitchFamily="50" charset="-127"/>
+              <a:ea typeface="Noto Sans KR" panose="020B0200000000000000" pitchFamily="50" charset="-127"/>
+            </a:endParaRPr>
+          </a:p>
+        </p:txBody>
+      </p:sp>
+      <p:pic>
+        <p:nvPicPr>
+          <p:cNvPr id="23" name="그래픽 22" descr="오른쪽 캐럿 단색으로 채워진">
+            <a:extLst>
+              <a:ext uri="{FF2B5EF4-FFF2-40B4-BE49-F238E27FC236}">
+                <a16:creationId xmlns:a16="http://schemas.microsoft.com/office/drawing/2014/main" id="{A12050F4-8BAF-2D77-5CD5-6CBA925CF2E5}"/>
+              </a:ext>
+            </a:extLst>
+          </p:cNvPr>
+          <p:cNvPicPr>
+            <a:picLocks noChangeAspect="1"/>
+          </p:cNvPicPr>
+          <p:nvPr/>
+        </p:nvPicPr>
+        <p:blipFill>
+          <a:blip r:embed="rId2">
+            <a:extLst>
+              <a:ext uri="{96DAC541-7B7A-43D3-8B79-37D633B846F1}">
+                <asvg:svgBlip xmlns:asvg="http://schemas.microsoft.com/office/drawing/2016/SVG/main" r:embed="rId3"/>
+              </a:ext>
+            </a:extLst>
+          </a:blip>
+          <a:stretch>
+            <a:fillRect/>
+          </a:stretch>
+        </p:blipFill>
+        <p:spPr>
+          <a:xfrm rot="5400000">
+            <a:off x="2749551" y="4721281"/>
+            <a:ext cx="210140" cy="210140"/>
+          </a:xfrm>
+          <a:prstGeom prst="rect">
+            <a:avLst/>
+          </a:prstGeom>
+        </p:spPr>
+      </p:pic>
+      <p:sp>
+        <p:nvSpPr>
+          <p:cNvPr id="26" name="직사각형 25">
+            <a:extLst>
+              <a:ext uri="{FF2B5EF4-FFF2-40B4-BE49-F238E27FC236}">
+                <a16:creationId xmlns:a16="http://schemas.microsoft.com/office/drawing/2014/main" id="{F0C12B8D-108C-E2F4-83B2-79EA2089D463}"/>
+              </a:ext>
+            </a:extLst>
+          </p:cNvPr>
+          <p:cNvSpPr/>
+          <p:nvPr/>
+        </p:nvSpPr>
+        <p:spPr>
+          <a:xfrm>
+            <a:off x="8583449" y="1791381"/>
+            <a:ext cx="859000" cy="210140"/>
+          </a:xfrm>
+          <a:prstGeom prst="rect">
+            <a:avLst/>
+          </a:prstGeom>
+          <a:solidFill>
+            <a:schemeClr val="bg1"/>
+          </a:solidFill>
+          <a:ln w="12700">
+            <a:solidFill>
+              <a:schemeClr val="tx1">
+                <a:lumMod val="85000"/>
+                <a:lumOff val="15000"/>
+              </a:schemeClr>
+            </a:solidFill>
+          </a:ln>
+        </p:spPr>
+        <p:style>
+          <a:lnRef idx="2">
+            <a:schemeClr val="accent1">
+              <a:shade val="15000"/>
+            </a:schemeClr>
+          </a:lnRef>
+          <a:fillRef idx="1">
+            <a:schemeClr val="accent1"/>
+          </a:fillRef>
+          <a:effectRef idx="0">
+            <a:schemeClr val="accent1"/>
+          </a:effectRef>
+          <a:fontRef idx="minor">
+            <a:schemeClr val="lt1"/>
+          </a:fontRef>
+        </p:style>
+        <p:txBody>
+          <a:bodyPr lIns="0" tIns="0" rIns="0" bIns="0" rtlCol="0" anchor="ctr"/>
+          <a:lstStyle/>
+          <a:p>
+            <a:pPr algn="ctr"/>
+            <a:r>
+              <a:rPr lang="en-US" altLang="ko-KR" sz="1000">
+                <a:solidFill>
+                  <a:schemeClr val="tx1">
+                    <a:lumMod val="85000"/>
+                    <a:lumOff val="15000"/>
+                  </a:schemeClr>
+                </a:solidFill>
+                <a:latin typeface="Noto Sans KR" panose="020B0200000000000000" pitchFamily="50" charset="-127"/>
+                <a:ea typeface="Noto Sans KR" panose="020B0200000000000000" pitchFamily="50" charset="-127"/>
+              </a:rPr>
+              <a:t>ControlBtn</a:t>
+            </a:r>
+            <a:endParaRPr lang="ko-KR" altLang="en-US" sz="1000" baseline="-25000">
+              <a:solidFill>
+                <a:schemeClr val="tx1">
+                  <a:lumMod val="85000"/>
+                  <a:lumOff val="15000"/>
+                </a:schemeClr>
+              </a:solidFill>
+              <a:latin typeface="Noto Sans KR" panose="020B0200000000000000" pitchFamily="50" charset="-127"/>
+              <a:ea typeface="Noto Sans KR" panose="020B0200000000000000" pitchFamily="50" charset="-127"/>
+            </a:endParaRPr>
+          </a:p>
+        </p:txBody>
+      </p:sp>
+      <p:sp>
+        <p:nvSpPr>
+          <p:cNvPr id="27" name="직사각형 26">
+            <a:extLst>
+              <a:ext uri="{FF2B5EF4-FFF2-40B4-BE49-F238E27FC236}">
+                <a16:creationId xmlns:a16="http://schemas.microsoft.com/office/drawing/2014/main" id="{7D160243-9E2F-9EF1-0E0E-50BC88C80F37}"/>
+              </a:ext>
+            </a:extLst>
+          </p:cNvPr>
+          <p:cNvSpPr/>
+          <p:nvPr/>
+        </p:nvSpPr>
+        <p:spPr>
+          <a:xfrm>
+            <a:off x="7658868" y="1791381"/>
+            <a:ext cx="859000" cy="210140"/>
+          </a:xfrm>
+          <a:prstGeom prst="rect">
+            <a:avLst/>
+          </a:prstGeom>
+          <a:solidFill>
+            <a:schemeClr val="bg1"/>
+          </a:solidFill>
+          <a:ln w="12700">
+            <a:solidFill>
+              <a:schemeClr val="tx1">
+                <a:lumMod val="85000"/>
+                <a:lumOff val="15000"/>
+              </a:schemeClr>
+            </a:solidFill>
+          </a:ln>
+        </p:spPr>
+        <p:style>
+          <a:lnRef idx="2">
+            <a:schemeClr val="accent1">
+              <a:shade val="15000"/>
+            </a:schemeClr>
+          </a:lnRef>
+          <a:fillRef idx="1">
+            <a:schemeClr val="accent1"/>
+          </a:fillRef>
+          <a:effectRef idx="0">
+            <a:schemeClr val="accent1"/>
+          </a:effectRef>
+          <a:fontRef idx="minor">
+            <a:schemeClr val="lt1"/>
+          </a:fontRef>
+        </p:style>
+        <p:txBody>
+          <a:bodyPr lIns="0" tIns="0" rIns="0" bIns="0" rtlCol="0" anchor="ctr"/>
+          <a:lstStyle/>
+          <a:p>
+            <a:pPr algn="ctr"/>
+            <a:r>
+              <a:rPr lang="en-US" altLang="ko-KR" sz="1000">
+                <a:solidFill>
+                  <a:schemeClr val="tx1">
+                    <a:lumMod val="85000"/>
+                    <a:lumOff val="15000"/>
+                  </a:schemeClr>
+                </a:solidFill>
+                <a:latin typeface="Noto Sans KR" panose="020B0200000000000000" pitchFamily="50" charset="-127"/>
+                <a:ea typeface="Noto Sans KR" panose="020B0200000000000000" pitchFamily="50" charset="-127"/>
+              </a:rPr>
+              <a:t>ControlBtn</a:t>
+            </a:r>
+            <a:endParaRPr lang="ko-KR" altLang="en-US" sz="1000" baseline="-25000">
+              <a:solidFill>
+                <a:schemeClr val="tx1">
+                  <a:lumMod val="85000"/>
+                  <a:lumOff val="15000"/>
+                </a:schemeClr>
+              </a:solidFill>
+              <a:latin typeface="Noto Sans KR" panose="020B0200000000000000" pitchFamily="50" charset="-127"/>
+              <a:ea typeface="Noto Sans KR" panose="020B0200000000000000" pitchFamily="50" charset="-127"/>
+            </a:endParaRPr>
+          </a:p>
+        </p:txBody>
+      </p:sp>
+      <p:sp>
+        <p:nvSpPr>
+          <p:cNvPr id="29" name="직사각형 28">
+            <a:extLst>
+              <a:ext uri="{FF2B5EF4-FFF2-40B4-BE49-F238E27FC236}">
+                <a16:creationId xmlns:a16="http://schemas.microsoft.com/office/drawing/2014/main" id="{40D20D1C-25F3-B3B6-E48F-839CAE6FD710}"/>
+              </a:ext>
+            </a:extLst>
+          </p:cNvPr>
+          <p:cNvSpPr/>
+          <p:nvPr/>
+        </p:nvSpPr>
+        <p:spPr>
+          <a:xfrm>
+            <a:off x="8583449" y="4721281"/>
+            <a:ext cx="859000" cy="210140"/>
+          </a:xfrm>
+          <a:prstGeom prst="rect">
+            <a:avLst/>
+          </a:prstGeom>
+          <a:solidFill>
+            <a:schemeClr val="bg1"/>
+          </a:solidFill>
+          <a:ln w="12700">
+            <a:solidFill>
+              <a:schemeClr val="tx1">
+                <a:lumMod val="85000"/>
+                <a:lumOff val="15000"/>
+              </a:schemeClr>
+            </a:solidFill>
+          </a:ln>
+        </p:spPr>
+        <p:style>
+          <a:lnRef idx="2">
+            <a:schemeClr val="accent1">
+              <a:shade val="15000"/>
+            </a:schemeClr>
+          </a:lnRef>
+          <a:fillRef idx="1">
+            <a:schemeClr val="accent1"/>
+          </a:fillRef>
+          <a:effectRef idx="0">
+            <a:schemeClr val="accent1"/>
+          </a:effectRef>
+          <a:fontRef idx="minor">
+            <a:schemeClr val="lt1"/>
+          </a:fontRef>
+        </p:style>
+        <p:txBody>
+          <a:bodyPr lIns="0" tIns="0" rIns="0" bIns="0" rtlCol="0" anchor="ctr"/>
+          <a:lstStyle/>
+          <a:p>
+            <a:pPr algn="ctr"/>
+            <a:r>
+              <a:rPr lang="en-US" altLang="ko-KR" sz="1000">
+                <a:solidFill>
+                  <a:schemeClr val="tx1">
+                    <a:lumMod val="85000"/>
+                    <a:lumOff val="15000"/>
+                  </a:schemeClr>
+                </a:solidFill>
+                <a:latin typeface="Noto Sans KR" panose="020B0200000000000000" pitchFamily="50" charset="-127"/>
+                <a:ea typeface="Noto Sans KR" panose="020B0200000000000000" pitchFamily="50" charset="-127"/>
+              </a:rPr>
+              <a:t>ControlBtn</a:t>
+            </a:r>
+            <a:endParaRPr lang="ko-KR" altLang="en-US" sz="1000" baseline="-25000">
+              <a:solidFill>
+                <a:schemeClr val="tx1">
+                  <a:lumMod val="85000"/>
+                  <a:lumOff val="15000"/>
+                </a:schemeClr>
+              </a:solidFill>
+              <a:latin typeface="Noto Sans KR" panose="020B0200000000000000" pitchFamily="50" charset="-127"/>
+              <a:ea typeface="Noto Sans KR" panose="020B0200000000000000" pitchFamily="50" charset="-127"/>
+            </a:endParaRPr>
+          </a:p>
+        </p:txBody>
+      </p:sp>
+      <p:sp>
+        <p:nvSpPr>
+          <p:cNvPr id="30" name="직사각형 29">
+            <a:extLst>
+              <a:ext uri="{FF2B5EF4-FFF2-40B4-BE49-F238E27FC236}">
+                <a16:creationId xmlns:a16="http://schemas.microsoft.com/office/drawing/2014/main" id="{30AAAA2C-7504-EB53-8EC0-D21FECF70510}"/>
+              </a:ext>
+            </a:extLst>
+          </p:cNvPr>
+          <p:cNvSpPr/>
+          <p:nvPr/>
+        </p:nvSpPr>
+        <p:spPr>
+          <a:xfrm>
+            <a:off x="7658868" y="4721281"/>
+            <a:ext cx="859000" cy="210140"/>
+          </a:xfrm>
+          <a:prstGeom prst="rect">
+            <a:avLst/>
+          </a:prstGeom>
+          <a:solidFill>
+            <a:schemeClr val="bg1"/>
+          </a:solidFill>
+          <a:ln w="12700">
+            <a:solidFill>
+              <a:schemeClr val="tx1">
+                <a:lumMod val="85000"/>
+                <a:lumOff val="15000"/>
+              </a:schemeClr>
+            </a:solidFill>
+          </a:ln>
+        </p:spPr>
+        <p:style>
+          <a:lnRef idx="2">
+            <a:schemeClr val="accent1">
+              <a:shade val="15000"/>
+            </a:schemeClr>
+          </a:lnRef>
+          <a:fillRef idx="1">
+            <a:schemeClr val="accent1"/>
+          </a:fillRef>
+          <a:effectRef idx="0">
+            <a:schemeClr val="accent1"/>
+          </a:effectRef>
+          <a:fontRef idx="minor">
+            <a:schemeClr val="lt1"/>
+          </a:fontRef>
+        </p:style>
+        <p:txBody>
+          <a:bodyPr lIns="0" tIns="0" rIns="0" bIns="0" rtlCol="0" anchor="ctr"/>
+          <a:lstStyle/>
+          <a:p>
+            <a:pPr algn="ctr"/>
+            <a:r>
+              <a:rPr lang="en-US" altLang="ko-KR" sz="1000">
+                <a:solidFill>
+                  <a:schemeClr val="tx1">
+                    <a:lumMod val="85000"/>
+                    <a:lumOff val="15000"/>
+                  </a:schemeClr>
+                </a:solidFill>
+                <a:latin typeface="Noto Sans KR" panose="020B0200000000000000" pitchFamily="50" charset="-127"/>
+                <a:ea typeface="Noto Sans KR" panose="020B0200000000000000" pitchFamily="50" charset="-127"/>
+              </a:rPr>
+              <a:t>ControlBtn</a:t>
+            </a:r>
+            <a:endParaRPr lang="ko-KR" altLang="en-US" sz="1000" baseline="-25000">
+              <a:solidFill>
+                <a:schemeClr val="tx1">
+                  <a:lumMod val="85000"/>
+                  <a:lumOff val="15000"/>
+                </a:schemeClr>
+              </a:solidFill>
+              <a:latin typeface="Noto Sans KR" panose="020B0200000000000000" pitchFamily="50" charset="-127"/>
+              <a:ea typeface="Noto Sans KR" panose="020B0200000000000000" pitchFamily="50" charset="-127"/>
+            </a:endParaRPr>
+          </a:p>
+        </p:txBody>
+      </p:sp>
+      <p:sp>
+        <p:nvSpPr>
+          <p:cNvPr id="31" name="직사각형 30">
+            <a:extLst>
+              <a:ext uri="{FF2B5EF4-FFF2-40B4-BE49-F238E27FC236}">
+                <a16:creationId xmlns:a16="http://schemas.microsoft.com/office/drawing/2014/main" id="{A0B40E1E-AB3B-8B85-D248-C2167ED88140}"/>
+              </a:ext>
+            </a:extLst>
+          </p:cNvPr>
+          <p:cNvSpPr/>
+          <p:nvPr/>
+        </p:nvSpPr>
+        <p:spPr>
+          <a:xfrm>
+            <a:off x="8583449" y="4222763"/>
+            <a:ext cx="859000" cy="210140"/>
+          </a:xfrm>
+          <a:prstGeom prst="rect">
+            <a:avLst/>
+          </a:prstGeom>
+          <a:solidFill>
+            <a:schemeClr val="bg1"/>
+          </a:solidFill>
+          <a:ln w="12700">
+            <a:solidFill>
+              <a:schemeClr val="tx1">
+                <a:lumMod val="85000"/>
+                <a:lumOff val="15000"/>
+              </a:schemeClr>
+            </a:solidFill>
+          </a:ln>
+        </p:spPr>
+        <p:style>
+          <a:lnRef idx="2">
+            <a:schemeClr val="accent1">
+              <a:shade val="15000"/>
+            </a:schemeClr>
+          </a:lnRef>
+          <a:fillRef idx="1">
+            <a:schemeClr val="accent1"/>
+          </a:fillRef>
+          <a:effectRef idx="0">
+            <a:schemeClr val="accent1"/>
+          </a:effectRef>
+          <a:fontRef idx="minor">
+            <a:schemeClr val="lt1"/>
+          </a:fontRef>
+        </p:style>
+        <p:txBody>
+          <a:bodyPr lIns="0" tIns="0" rIns="0" bIns="0" rtlCol="0" anchor="ctr"/>
+          <a:lstStyle/>
+          <a:p>
+            <a:pPr algn="ctr"/>
+            <a:r>
+              <a:rPr lang="en-US" altLang="ko-KR" sz="1000">
+                <a:solidFill>
+                  <a:schemeClr val="tx1">
+                    <a:lumMod val="85000"/>
+                    <a:lumOff val="15000"/>
+                  </a:schemeClr>
+                </a:solidFill>
+                <a:latin typeface="Noto Sans KR" panose="020B0200000000000000" pitchFamily="50" charset="-127"/>
+                <a:ea typeface="Noto Sans KR" panose="020B0200000000000000" pitchFamily="50" charset="-127"/>
+              </a:rPr>
+              <a:t>ControlBtn</a:t>
+            </a:r>
+            <a:endParaRPr lang="ko-KR" altLang="en-US" sz="1000" baseline="-25000">
+              <a:solidFill>
+                <a:schemeClr val="tx1">
+                  <a:lumMod val="85000"/>
+                  <a:lumOff val="15000"/>
+                </a:schemeClr>
+              </a:solidFill>
+              <a:latin typeface="Noto Sans KR" panose="020B0200000000000000" pitchFamily="50" charset="-127"/>
+              <a:ea typeface="Noto Sans KR" panose="020B0200000000000000" pitchFamily="50" charset="-127"/>
+            </a:endParaRPr>
+          </a:p>
+        </p:txBody>
+      </p:sp>
+      <p:sp>
+        <p:nvSpPr>
+          <p:cNvPr id="32" name="직사각형 31">
+            <a:extLst>
+              <a:ext uri="{FF2B5EF4-FFF2-40B4-BE49-F238E27FC236}">
+                <a16:creationId xmlns:a16="http://schemas.microsoft.com/office/drawing/2014/main" id="{759BBD39-7D97-294D-CD54-F612985F317D}"/>
+              </a:ext>
+            </a:extLst>
+          </p:cNvPr>
+          <p:cNvSpPr/>
+          <p:nvPr/>
+        </p:nvSpPr>
+        <p:spPr>
+          <a:xfrm>
+            <a:off x="6734287" y="4721281"/>
+            <a:ext cx="859000" cy="210140"/>
+          </a:xfrm>
+          <a:prstGeom prst="rect">
+            <a:avLst/>
+          </a:prstGeom>
+          <a:solidFill>
+            <a:schemeClr val="bg1"/>
+          </a:solidFill>
+          <a:ln w="12700">
+            <a:solidFill>
+              <a:schemeClr val="tx1">
+                <a:lumMod val="85000"/>
+                <a:lumOff val="15000"/>
+              </a:schemeClr>
+            </a:solidFill>
+          </a:ln>
+        </p:spPr>
+        <p:style>
+          <a:lnRef idx="2">
+            <a:schemeClr val="accent1">
+              <a:shade val="15000"/>
+            </a:schemeClr>
+          </a:lnRef>
+          <a:fillRef idx="1">
+            <a:schemeClr val="accent1"/>
+          </a:fillRef>
+          <a:effectRef idx="0">
+            <a:schemeClr val="accent1"/>
+          </a:effectRef>
+          <a:fontRef idx="minor">
+            <a:schemeClr val="lt1"/>
+          </a:fontRef>
+        </p:style>
+        <p:txBody>
+          <a:bodyPr lIns="0" tIns="0" rIns="0" bIns="0" rtlCol="0" anchor="ctr"/>
+          <a:lstStyle/>
+          <a:p>
+            <a:pPr algn="ctr"/>
+            <a:r>
+              <a:rPr lang="en-US" altLang="ko-KR" sz="1000">
+                <a:solidFill>
+                  <a:schemeClr val="tx1">
+                    <a:lumMod val="85000"/>
+                    <a:lumOff val="15000"/>
+                  </a:schemeClr>
+                </a:solidFill>
+                <a:latin typeface="Noto Sans KR" panose="020B0200000000000000" pitchFamily="50" charset="-127"/>
+                <a:ea typeface="Noto Sans KR" panose="020B0200000000000000" pitchFamily="50" charset="-127"/>
+              </a:rPr>
+              <a:t>ControlBtn</a:t>
+            </a:r>
+            <a:endParaRPr lang="ko-KR" altLang="en-US" sz="1000" baseline="-25000">
+              <a:solidFill>
+                <a:schemeClr val="tx1">
+                  <a:lumMod val="85000"/>
+                  <a:lumOff val="15000"/>
+                </a:schemeClr>
+              </a:solidFill>
+              <a:latin typeface="Noto Sans KR" panose="020B0200000000000000" pitchFamily="50" charset="-127"/>
+              <a:ea typeface="Noto Sans KR" panose="020B0200000000000000" pitchFamily="50" charset="-127"/>
+            </a:endParaRPr>
+          </a:p>
+        </p:txBody>
+      </p:sp>
+      <p:sp>
+        <p:nvSpPr>
+          <p:cNvPr id="33" name="직사각형 32">
+            <a:extLst>
+              <a:ext uri="{FF2B5EF4-FFF2-40B4-BE49-F238E27FC236}">
+                <a16:creationId xmlns:a16="http://schemas.microsoft.com/office/drawing/2014/main" id="{D7CD530D-4688-C41C-D35D-A2A92C5251B4}"/>
+              </a:ext>
+            </a:extLst>
+          </p:cNvPr>
+          <p:cNvSpPr/>
+          <p:nvPr/>
+        </p:nvSpPr>
+        <p:spPr>
+          <a:xfrm>
+            <a:off x="9442449" y="1214824"/>
+            <a:ext cx="2170856" cy="284480"/>
+          </a:xfrm>
+          <a:prstGeom prst="rect">
+            <a:avLst/>
+          </a:prstGeom>
+          <a:noFill/>
+          <a:ln>
+            <a:noFill/>
+          </a:ln>
+        </p:spPr>
+        <p:style>
+          <a:lnRef idx="2">
+            <a:schemeClr val="accent1">
+              <a:shade val="15000"/>
+            </a:schemeClr>
+          </a:lnRef>
+          <a:fillRef idx="1">
+            <a:schemeClr val="accent1"/>
+          </a:fillRef>
+          <a:effectRef idx="0">
+            <a:schemeClr val="accent1"/>
+          </a:effectRef>
+          <a:fontRef idx="minor">
+            <a:schemeClr val="lt1"/>
+          </a:fontRef>
+        </p:style>
+        <p:txBody>
+          <a:bodyPr lIns="0" tIns="0" rIns="0" bIns="0" rtlCol="0" anchor="ctr"/>
+          <a:lstStyle/>
+          <a:p>
+            <a:pPr algn="ctr"/>
+            <a:r>
+              <a:rPr lang="ko-KR" altLang="en-US" spc="-150">
+                <a:solidFill>
+                  <a:schemeClr val="tx1">
+                    <a:lumMod val="85000"/>
+                    <a:lumOff val="15000"/>
+                  </a:schemeClr>
+                </a:solidFill>
+                <a:latin typeface="Noto Sans KR" panose="020B0200000000000000" pitchFamily="50" charset="-127"/>
+                <a:ea typeface="Noto Sans KR" panose="020B0200000000000000" pitchFamily="50" charset="-127"/>
+              </a:rPr>
+              <a:t>섹션별 컨트롤 버튼 그룹</a:t>
+            </a:r>
+          </a:p>
+        </p:txBody>
+      </p:sp>
+      <p:cxnSp>
+        <p:nvCxnSpPr>
+          <p:cNvPr id="34" name="연결선: 구부러짐 33">
+            <a:extLst>
+              <a:ext uri="{FF2B5EF4-FFF2-40B4-BE49-F238E27FC236}">
+                <a16:creationId xmlns:a16="http://schemas.microsoft.com/office/drawing/2014/main" id="{466BB159-33E4-0C43-7601-6F53C7210F23}"/>
+              </a:ext>
+            </a:extLst>
+          </p:cNvPr>
+          <p:cNvCxnSpPr>
+            <a:cxnSpLocks/>
+            <a:endCxn id="27" idx="0"/>
+          </p:cNvCxnSpPr>
+          <p:nvPr/>
+        </p:nvCxnSpPr>
+        <p:spPr>
+          <a:xfrm rot="10800000" flipV="1">
+            <a:off x="8088368" y="1355433"/>
+            <a:ext cx="1354082" cy="435947"/>
+          </a:xfrm>
+          <a:prstGeom prst="curvedConnector2">
+            <a:avLst/>
+          </a:prstGeom>
+          <a:ln w="12700">
+            <a:solidFill>
+              <a:schemeClr val="tx1">
+                <a:lumMod val="85000"/>
+                <a:lumOff val="15000"/>
+              </a:schemeClr>
+            </a:solidFill>
+            <a:tailEnd type="stealth" w="lg" len="lg"/>
+          </a:ln>
+        </p:spPr>
+        <p:style>
+          <a:lnRef idx="2">
+            <a:schemeClr val="accent1"/>
+          </a:lnRef>
+          <a:fillRef idx="0">
+            <a:schemeClr val="accent1"/>
+          </a:fillRef>
+          <a:effectRef idx="1">
+            <a:schemeClr val="accent1"/>
+          </a:effectRef>
+          <a:fontRef idx="minor">
+            <a:schemeClr val="tx1"/>
+          </a:fontRef>
+        </p:style>
+      </p:cxnSp>
+      <p:cxnSp>
+        <p:nvCxnSpPr>
+          <p:cNvPr id="40" name="연결선: 구부러짐 39">
+            <a:extLst>
+              <a:ext uri="{FF2B5EF4-FFF2-40B4-BE49-F238E27FC236}">
+                <a16:creationId xmlns:a16="http://schemas.microsoft.com/office/drawing/2014/main" id="{9669200B-CD6E-8576-2B6C-40FDEC0F540E}"/>
+              </a:ext>
+            </a:extLst>
+          </p:cNvPr>
+          <p:cNvCxnSpPr>
+            <a:cxnSpLocks/>
+            <a:endCxn id="26" idx="0"/>
+          </p:cNvCxnSpPr>
+          <p:nvPr/>
+        </p:nvCxnSpPr>
+        <p:spPr>
+          <a:xfrm rot="10800000" flipV="1">
+            <a:off x="9012950" y="1376073"/>
+            <a:ext cx="429499" cy="415308"/>
+          </a:xfrm>
+          <a:prstGeom prst="curvedConnector2">
+            <a:avLst/>
+          </a:prstGeom>
+          <a:ln w="12700">
+            <a:solidFill>
+              <a:schemeClr val="tx1">
+                <a:lumMod val="85000"/>
+                <a:lumOff val="15000"/>
+              </a:schemeClr>
+            </a:solidFill>
+            <a:tailEnd type="stealth" w="lg" len="lg"/>
+          </a:ln>
+        </p:spPr>
+        <p:style>
+          <a:lnRef idx="2">
+            <a:schemeClr val="accent1"/>
+          </a:lnRef>
+          <a:fillRef idx="0">
+            <a:schemeClr val="accent1"/>
+          </a:fillRef>
+          <a:effectRef idx="1">
+            <a:schemeClr val="accent1"/>
+          </a:effectRef>
+          <a:fontRef idx="minor">
+            <a:schemeClr val="tx1"/>
+          </a:fontRef>
+        </p:style>
+      </p:cxnSp>
+      <p:sp>
+        <p:nvSpPr>
+          <p:cNvPr id="43" name="직사각형 42">
+            <a:extLst>
+              <a:ext uri="{FF2B5EF4-FFF2-40B4-BE49-F238E27FC236}">
+                <a16:creationId xmlns:a16="http://schemas.microsoft.com/office/drawing/2014/main" id="{50D63B73-EF18-3DC6-BDF6-554F1E22AB50}"/>
+              </a:ext>
+            </a:extLst>
+          </p:cNvPr>
+          <p:cNvSpPr/>
+          <p:nvPr/>
+        </p:nvSpPr>
+        <p:spPr>
+          <a:xfrm>
+            <a:off x="307273" y="3684883"/>
+            <a:ext cx="2170856" cy="284480"/>
+          </a:xfrm>
+          <a:prstGeom prst="rect">
+            <a:avLst/>
+          </a:prstGeom>
+          <a:noFill/>
+          <a:ln>
+            <a:noFill/>
+          </a:ln>
+        </p:spPr>
+        <p:style>
+          <a:lnRef idx="2">
+            <a:schemeClr val="accent1">
+              <a:shade val="15000"/>
+            </a:schemeClr>
+          </a:lnRef>
+          <a:fillRef idx="1">
+            <a:schemeClr val="accent1"/>
+          </a:fillRef>
+          <a:effectRef idx="0">
+            <a:schemeClr val="accent1"/>
+          </a:effectRef>
+          <a:fontRef idx="minor">
+            <a:schemeClr val="lt1"/>
+          </a:fontRef>
+        </p:style>
+        <p:txBody>
+          <a:bodyPr lIns="0" tIns="0" rIns="0" bIns="0" rtlCol="0" anchor="ctr"/>
+          <a:lstStyle/>
+          <a:p>
+            <a:pPr algn="ctr"/>
+            <a:r>
+              <a:rPr lang="ko-KR" altLang="en-US" spc="-150">
+                <a:solidFill>
+                  <a:schemeClr val="tx1">
+                    <a:lumMod val="85000"/>
+                    <a:lumOff val="15000"/>
+                  </a:schemeClr>
+                </a:solidFill>
+                <a:latin typeface="Noto Sans KR" panose="020B0200000000000000" pitchFamily="50" charset="-127"/>
+                <a:ea typeface="Noto Sans KR" panose="020B0200000000000000" pitchFamily="50" charset="-127"/>
+              </a:rPr>
+              <a:t>섹션 접기</a:t>
+            </a:r>
+            <a:r>
+              <a:rPr lang="en-US" altLang="ko-KR" spc="-150">
+                <a:solidFill>
+                  <a:schemeClr val="tx1">
+                    <a:lumMod val="85000"/>
+                    <a:lumOff val="15000"/>
+                  </a:schemeClr>
+                </a:solidFill>
+                <a:latin typeface="Noto Sans KR" panose="020B0200000000000000" pitchFamily="50" charset="-127"/>
+                <a:ea typeface="Noto Sans KR" panose="020B0200000000000000" pitchFamily="50" charset="-127"/>
+              </a:rPr>
+              <a:t>/</a:t>
+            </a:r>
+            <a:r>
+              <a:rPr lang="ko-KR" altLang="en-US" spc="-150">
+                <a:solidFill>
+                  <a:schemeClr val="tx1">
+                    <a:lumMod val="85000"/>
+                    <a:lumOff val="15000"/>
+                  </a:schemeClr>
+                </a:solidFill>
+                <a:latin typeface="Noto Sans KR" panose="020B0200000000000000" pitchFamily="50" charset="-127"/>
+                <a:ea typeface="Noto Sans KR" panose="020B0200000000000000" pitchFamily="50" charset="-127"/>
+              </a:rPr>
+              <a:t>펼치기</a:t>
+            </a:r>
+          </a:p>
+        </p:txBody>
+      </p:sp>
+      <p:cxnSp>
+        <p:nvCxnSpPr>
+          <p:cNvPr id="45" name="연결선: 구부러짐 44">
+            <a:extLst>
+              <a:ext uri="{FF2B5EF4-FFF2-40B4-BE49-F238E27FC236}">
+                <a16:creationId xmlns:a16="http://schemas.microsoft.com/office/drawing/2014/main" id="{EB643BC2-6726-E66B-97F4-474A1A3B0905}"/>
+              </a:ext>
+            </a:extLst>
+          </p:cNvPr>
+          <p:cNvCxnSpPr>
+            <a:cxnSpLocks/>
+            <a:stCxn id="43" idx="0"/>
+            <a:endCxn id="13" idx="1"/>
+          </p:cNvCxnSpPr>
+          <p:nvPr/>
+        </p:nvCxnSpPr>
+        <p:spPr>
+          <a:xfrm rot="16200000" flipH="1">
+            <a:off x="1921894" y="3155690"/>
+            <a:ext cx="185432" cy="1243819"/>
+          </a:xfrm>
+          <a:prstGeom prst="curvedConnector4">
+            <a:avLst>
+              <a:gd name="adj1" fmla="val -123280"/>
+              <a:gd name="adj2" fmla="val 93633"/>
+            </a:avLst>
+          </a:prstGeom>
+          <a:ln w="12700">
+            <a:solidFill>
+              <a:schemeClr val="tx1">
+                <a:lumMod val="85000"/>
+                <a:lumOff val="15000"/>
+              </a:schemeClr>
+            </a:solidFill>
+            <a:tailEnd type="stealth" w="lg" len="lg"/>
+          </a:ln>
+        </p:spPr>
+        <p:style>
+          <a:lnRef idx="2">
+            <a:schemeClr val="accent1"/>
+          </a:lnRef>
+          <a:fillRef idx="0">
+            <a:schemeClr val="accent1"/>
+          </a:fillRef>
+          <a:effectRef idx="1">
+            <a:schemeClr val="accent1"/>
+          </a:effectRef>
+          <a:fontRef idx="minor">
+            <a:schemeClr val="tx1"/>
+          </a:fontRef>
+        </p:style>
+      </p:cxnSp>
+    </p:spTree>
+    <p:extLst>
+      <p:ext uri="{BB962C8B-B14F-4D97-AF65-F5344CB8AC3E}">
+        <p14:creationId xmlns:p14="http://schemas.microsoft.com/office/powerpoint/2010/main" val="1488164118"/>
+      </p:ext>
+    </p:extLst>
+  </p:cSld>
+  <p:clrMapOvr>
+    <a:masterClrMapping/>
+  </p:clrMapOvr>
+</p:sld>
+</file>
+
+<file path=ppt/slides/slide3.xml><?xml version="1.0" encoding="utf-8"?>
 <p:sld xmlns:a="http://schemas.openxmlformats.org/drawingml/2006/main" xmlns:r="http://schemas.openxmlformats.org/officeDocument/2006/relationships" xmlns:p="http://schemas.openxmlformats.org/presentationml/2006/main">
   <p:cSld>
     <p:spTree>
